--- a/Website template.pptx
+++ b/Website template.pptx
@@ -107,6 +107,11 @@
       </a:defRPr>
     </a:lvl9pPr>
   </p:defaultTextStyle>
+  <p:extLst>
+    <p:ext uri="{EFAFB233-063F-42B5-8137-9DF3F51BA10A}">
+      <p15:sldGuideLst xmlns:p15="http://schemas.microsoft.com/office/powerpoint/2012/main"/>
+    </p:ext>
+  </p:extLst>
 </p:presentation>
 </file>
 
@@ -136,7 +141,7 @@
           <p:cNvPr id="2" name="Title 1">
             <a:extLst>
               <a:ext uri="{FF2B5EF4-FFF2-40B4-BE49-F238E27FC236}">
-                <a16:creationId xmlns:a16="http://schemas.microsoft.com/office/drawing/2014/main" id="{C021D40D-E18E-4306-A1E9-CDA4F5D1CCDA}"/>
+                <a16:creationId xmlns:a16="http://schemas.microsoft.com/office/drawing/2014/main" xmlns="" id="{C021D40D-E18E-4306-A1E9-CDA4F5D1CCDA}"/>
               </a:ext>
             </a:extLst>
           </p:cNvPr>
@@ -173,7 +178,7 @@
           <p:cNvPr id="3" name="Subtitle 2">
             <a:extLst>
               <a:ext uri="{FF2B5EF4-FFF2-40B4-BE49-F238E27FC236}">
-                <a16:creationId xmlns:a16="http://schemas.microsoft.com/office/drawing/2014/main" id="{3270B9E9-2D85-4F04-9EDC-BAC0A54C517A}"/>
+                <a16:creationId xmlns:a16="http://schemas.microsoft.com/office/drawing/2014/main" xmlns="" id="{3270B9E9-2D85-4F04-9EDC-BAC0A54C517A}"/>
               </a:ext>
             </a:extLst>
           </p:cNvPr>
@@ -243,7 +248,7 @@
           <p:cNvPr id="4" name="Date Placeholder 3">
             <a:extLst>
               <a:ext uri="{FF2B5EF4-FFF2-40B4-BE49-F238E27FC236}">
-                <a16:creationId xmlns:a16="http://schemas.microsoft.com/office/drawing/2014/main" id="{10B626F8-9F64-4D57-B15C-4911AA89D040}"/>
+                <a16:creationId xmlns:a16="http://schemas.microsoft.com/office/drawing/2014/main" xmlns="" id="{10B626F8-9F64-4D57-B15C-4911AA89D040}"/>
               </a:ext>
             </a:extLst>
           </p:cNvPr>
@@ -261,7 +266,7 @@
           <a:p>
             <a:fld id="{95DFE522-6879-468D-949B-D81CCED7BDC2}" type="datetimeFigureOut">
               <a:rPr lang="en-US" smtClean="0"/>
-              <a:t>10/27/2017</a:t>
+              <a:t>11/10/17</a:t>
             </a:fld>
             <a:endParaRPr lang="en-US"/>
           </a:p>
@@ -272,7 +277,7 @@
           <p:cNvPr id="5" name="Footer Placeholder 4">
             <a:extLst>
               <a:ext uri="{FF2B5EF4-FFF2-40B4-BE49-F238E27FC236}">
-                <a16:creationId xmlns:a16="http://schemas.microsoft.com/office/drawing/2014/main" id="{CCB6F6CA-0B83-4572-A191-DF6FC64BA3DB}"/>
+                <a16:creationId xmlns:a16="http://schemas.microsoft.com/office/drawing/2014/main" xmlns="" id="{CCB6F6CA-0B83-4572-A191-DF6FC64BA3DB}"/>
               </a:ext>
             </a:extLst>
           </p:cNvPr>
@@ -297,7 +302,7 @@
           <p:cNvPr id="6" name="Slide Number Placeholder 5">
             <a:extLst>
               <a:ext uri="{FF2B5EF4-FFF2-40B4-BE49-F238E27FC236}">
-                <a16:creationId xmlns:a16="http://schemas.microsoft.com/office/drawing/2014/main" id="{75641C1E-83E8-411F-B979-49F261F8E632}"/>
+                <a16:creationId xmlns:a16="http://schemas.microsoft.com/office/drawing/2014/main" xmlns="" id="{75641C1E-83E8-411F-B979-49F261F8E632}"/>
               </a:ext>
             </a:extLst>
           </p:cNvPr>
@@ -356,7 +361,7 @@
           <p:cNvPr id="2" name="Title 1">
             <a:extLst>
               <a:ext uri="{FF2B5EF4-FFF2-40B4-BE49-F238E27FC236}">
-                <a16:creationId xmlns:a16="http://schemas.microsoft.com/office/drawing/2014/main" id="{9E8FC468-822B-4362-9550-35DBAFDC742B}"/>
+                <a16:creationId xmlns:a16="http://schemas.microsoft.com/office/drawing/2014/main" xmlns="" id="{9E8FC468-822B-4362-9550-35DBAFDC742B}"/>
               </a:ext>
             </a:extLst>
           </p:cNvPr>
@@ -384,7 +389,7 @@
           <p:cNvPr id="3" name="Vertical Text Placeholder 2">
             <a:extLst>
               <a:ext uri="{FF2B5EF4-FFF2-40B4-BE49-F238E27FC236}">
-                <a16:creationId xmlns:a16="http://schemas.microsoft.com/office/drawing/2014/main" id="{1E36511A-3F0D-45B8-8FED-101381B51222}"/>
+                <a16:creationId xmlns:a16="http://schemas.microsoft.com/office/drawing/2014/main" xmlns="" id="{1E36511A-3F0D-45B8-8FED-101381B51222}"/>
               </a:ext>
             </a:extLst>
           </p:cNvPr>
@@ -441,7 +446,7 @@
           <p:cNvPr id="4" name="Date Placeholder 3">
             <a:extLst>
               <a:ext uri="{FF2B5EF4-FFF2-40B4-BE49-F238E27FC236}">
-                <a16:creationId xmlns:a16="http://schemas.microsoft.com/office/drawing/2014/main" id="{FC5B246B-4820-454C-A8B3-9EF0F59338B7}"/>
+                <a16:creationId xmlns:a16="http://schemas.microsoft.com/office/drawing/2014/main" xmlns="" id="{FC5B246B-4820-454C-A8B3-9EF0F59338B7}"/>
               </a:ext>
             </a:extLst>
           </p:cNvPr>
@@ -459,7 +464,7 @@
           <a:p>
             <a:fld id="{95DFE522-6879-468D-949B-D81CCED7BDC2}" type="datetimeFigureOut">
               <a:rPr lang="en-US" smtClean="0"/>
-              <a:t>10/27/2017</a:t>
+              <a:t>11/10/17</a:t>
             </a:fld>
             <a:endParaRPr lang="en-US"/>
           </a:p>
@@ -470,7 +475,7 @@
           <p:cNvPr id="5" name="Footer Placeholder 4">
             <a:extLst>
               <a:ext uri="{FF2B5EF4-FFF2-40B4-BE49-F238E27FC236}">
-                <a16:creationId xmlns:a16="http://schemas.microsoft.com/office/drawing/2014/main" id="{01FA4DC9-CB90-4BDB-A666-22965D17B65D}"/>
+                <a16:creationId xmlns:a16="http://schemas.microsoft.com/office/drawing/2014/main" xmlns="" id="{01FA4DC9-CB90-4BDB-A666-22965D17B65D}"/>
               </a:ext>
             </a:extLst>
           </p:cNvPr>
@@ -495,7 +500,7 @@
           <p:cNvPr id="6" name="Slide Number Placeholder 5">
             <a:extLst>
               <a:ext uri="{FF2B5EF4-FFF2-40B4-BE49-F238E27FC236}">
-                <a16:creationId xmlns:a16="http://schemas.microsoft.com/office/drawing/2014/main" id="{1F334CC5-6798-4F27-A01F-DD34D7342734}"/>
+                <a16:creationId xmlns:a16="http://schemas.microsoft.com/office/drawing/2014/main" xmlns="" id="{1F334CC5-6798-4F27-A01F-DD34D7342734}"/>
               </a:ext>
             </a:extLst>
           </p:cNvPr>
@@ -554,7 +559,7 @@
           <p:cNvPr id="2" name="Vertical Title 1">
             <a:extLst>
               <a:ext uri="{FF2B5EF4-FFF2-40B4-BE49-F238E27FC236}">
-                <a16:creationId xmlns:a16="http://schemas.microsoft.com/office/drawing/2014/main" id="{89243257-33FB-4182-A16F-6B219A3C575A}"/>
+                <a16:creationId xmlns:a16="http://schemas.microsoft.com/office/drawing/2014/main" xmlns="" id="{89243257-33FB-4182-A16F-6B219A3C575A}"/>
               </a:ext>
             </a:extLst>
           </p:cNvPr>
@@ -587,7 +592,7 @@
           <p:cNvPr id="3" name="Vertical Text Placeholder 2">
             <a:extLst>
               <a:ext uri="{FF2B5EF4-FFF2-40B4-BE49-F238E27FC236}">
-                <a16:creationId xmlns:a16="http://schemas.microsoft.com/office/drawing/2014/main" id="{5C27C841-98DB-4E84-9257-146A3578016C}"/>
+                <a16:creationId xmlns:a16="http://schemas.microsoft.com/office/drawing/2014/main" xmlns="" id="{5C27C841-98DB-4E84-9257-146A3578016C}"/>
               </a:ext>
             </a:extLst>
           </p:cNvPr>
@@ -649,7 +654,7 @@
           <p:cNvPr id="4" name="Date Placeholder 3">
             <a:extLst>
               <a:ext uri="{FF2B5EF4-FFF2-40B4-BE49-F238E27FC236}">
-                <a16:creationId xmlns:a16="http://schemas.microsoft.com/office/drawing/2014/main" id="{F6D0D450-AD66-4E52-8F1D-027A7CA689D5}"/>
+                <a16:creationId xmlns:a16="http://schemas.microsoft.com/office/drawing/2014/main" xmlns="" id="{F6D0D450-AD66-4E52-8F1D-027A7CA689D5}"/>
               </a:ext>
             </a:extLst>
           </p:cNvPr>
@@ -667,7 +672,7 @@
           <a:p>
             <a:fld id="{95DFE522-6879-468D-949B-D81CCED7BDC2}" type="datetimeFigureOut">
               <a:rPr lang="en-US" smtClean="0"/>
-              <a:t>10/27/2017</a:t>
+              <a:t>11/10/17</a:t>
             </a:fld>
             <a:endParaRPr lang="en-US"/>
           </a:p>
@@ -678,7 +683,7 @@
           <p:cNvPr id="5" name="Footer Placeholder 4">
             <a:extLst>
               <a:ext uri="{FF2B5EF4-FFF2-40B4-BE49-F238E27FC236}">
-                <a16:creationId xmlns:a16="http://schemas.microsoft.com/office/drawing/2014/main" id="{6D105E2E-190D-4A70-87D2-F023634F491E}"/>
+                <a16:creationId xmlns:a16="http://schemas.microsoft.com/office/drawing/2014/main" xmlns="" id="{6D105E2E-190D-4A70-87D2-F023634F491E}"/>
               </a:ext>
             </a:extLst>
           </p:cNvPr>
@@ -703,7 +708,7 @@
           <p:cNvPr id="6" name="Slide Number Placeholder 5">
             <a:extLst>
               <a:ext uri="{FF2B5EF4-FFF2-40B4-BE49-F238E27FC236}">
-                <a16:creationId xmlns:a16="http://schemas.microsoft.com/office/drawing/2014/main" id="{7D69431E-9576-4D4B-9352-56A853B0A4D8}"/>
+                <a16:creationId xmlns:a16="http://schemas.microsoft.com/office/drawing/2014/main" xmlns="" id="{7D69431E-9576-4D4B-9352-56A853B0A4D8}"/>
               </a:ext>
             </a:extLst>
           </p:cNvPr>
@@ -762,7 +767,7 @@
           <p:cNvPr id="2" name="Title 1">
             <a:extLst>
               <a:ext uri="{FF2B5EF4-FFF2-40B4-BE49-F238E27FC236}">
-                <a16:creationId xmlns:a16="http://schemas.microsoft.com/office/drawing/2014/main" id="{670BF0C6-B5D7-4999-B0B5-E5FECEA9A9A6}"/>
+                <a16:creationId xmlns:a16="http://schemas.microsoft.com/office/drawing/2014/main" xmlns="" id="{670BF0C6-B5D7-4999-B0B5-E5FECEA9A9A6}"/>
               </a:ext>
             </a:extLst>
           </p:cNvPr>
@@ -790,7 +795,7 @@
           <p:cNvPr id="3" name="Content Placeholder 2">
             <a:extLst>
               <a:ext uri="{FF2B5EF4-FFF2-40B4-BE49-F238E27FC236}">
-                <a16:creationId xmlns:a16="http://schemas.microsoft.com/office/drawing/2014/main" id="{5D9479E8-770B-47B7-8EEC-008447AC5725}"/>
+                <a16:creationId xmlns:a16="http://schemas.microsoft.com/office/drawing/2014/main" xmlns="" id="{5D9479E8-770B-47B7-8EEC-008447AC5725}"/>
               </a:ext>
             </a:extLst>
           </p:cNvPr>
@@ -847,7 +852,7 @@
           <p:cNvPr id="4" name="Date Placeholder 3">
             <a:extLst>
               <a:ext uri="{FF2B5EF4-FFF2-40B4-BE49-F238E27FC236}">
-                <a16:creationId xmlns:a16="http://schemas.microsoft.com/office/drawing/2014/main" id="{97FC5EEC-AE1B-422E-BE41-A75DF3CA1F0B}"/>
+                <a16:creationId xmlns:a16="http://schemas.microsoft.com/office/drawing/2014/main" xmlns="" id="{97FC5EEC-AE1B-422E-BE41-A75DF3CA1F0B}"/>
               </a:ext>
             </a:extLst>
           </p:cNvPr>
@@ -865,7 +870,7 @@
           <a:p>
             <a:fld id="{95DFE522-6879-468D-949B-D81CCED7BDC2}" type="datetimeFigureOut">
               <a:rPr lang="en-US" smtClean="0"/>
-              <a:t>10/27/2017</a:t>
+              <a:t>11/10/17</a:t>
             </a:fld>
             <a:endParaRPr lang="en-US"/>
           </a:p>
@@ -876,7 +881,7 @@
           <p:cNvPr id="5" name="Footer Placeholder 4">
             <a:extLst>
               <a:ext uri="{FF2B5EF4-FFF2-40B4-BE49-F238E27FC236}">
-                <a16:creationId xmlns:a16="http://schemas.microsoft.com/office/drawing/2014/main" id="{D0EDB9AA-FB6D-49F1-8275-09B5A4686671}"/>
+                <a16:creationId xmlns:a16="http://schemas.microsoft.com/office/drawing/2014/main" xmlns="" id="{D0EDB9AA-FB6D-49F1-8275-09B5A4686671}"/>
               </a:ext>
             </a:extLst>
           </p:cNvPr>
@@ -901,7 +906,7 @@
           <p:cNvPr id="6" name="Slide Number Placeholder 5">
             <a:extLst>
               <a:ext uri="{FF2B5EF4-FFF2-40B4-BE49-F238E27FC236}">
-                <a16:creationId xmlns:a16="http://schemas.microsoft.com/office/drawing/2014/main" id="{0E12CD3A-869F-4B1C-92F2-046AC14D73BF}"/>
+                <a16:creationId xmlns:a16="http://schemas.microsoft.com/office/drawing/2014/main" xmlns="" id="{0E12CD3A-869F-4B1C-92F2-046AC14D73BF}"/>
               </a:ext>
             </a:extLst>
           </p:cNvPr>
@@ -960,7 +965,7 @@
           <p:cNvPr id="2" name="Title 1">
             <a:extLst>
               <a:ext uri="{FF2B5EF4-FFF2-40B4-BE49-F238E27FC236}">
-                <a16:creationId xmlns:a16="http://schemas.microsoft.com/office/drawing/2014/main" id="{78FB2103-FAFF-4547-897E-8230EDE0662F}"/>
+                <a16:creationId xmlns:a16="http://schemas.microsoft.com/office/drawing/2014/main" xmlns="" id="{78FB2103-FAFF-4547-897E-8230EDE0662F}"/>
               </a:ext>
             </a:extLst>
           </p:cNvPr>
@@ -997,7 +1002,7 @@
           <p:cNvPr id="3" name="Text Placeholder 2">
             <a:extLst>
               <a:ext uri="{FF2B5EF4-FFF2-40B4-BE49-F238E27FC236}">
-                <a16:creationId xmlns:a16="http://schemas.microsoft.com/office/drawing/2014/main" id="{5CE33F24-8C9C-4830-A040-3E06F1999880}"/>
+                <a16:creationId xmlns:a16="http://schemas.microsoft.com/office/drawing/2014/main" xmlns="" id="{5CE33F24-8C9C-4830-A040-3E06F1999880}"/>
               </a:ext>
             </a:extLst>
           </p:cNvPr>
@@ -1122,7 +1127,7 @@
           <p:cNvPr id="4" name="Date Placeholder 3">
             <a:extLst>
               <a:ext uri="{FF2B5EF4-FFF2-40B4-BE49-F238E27FC236}">
-                <a16:creationId xmlns:a16="http://schemas.microsoft.com/office/drawing/2014/main" id="{6AEA0E2D-A863-4FE5-B5C5-EF3FF67A1512}"/>
+                <a16:creationId xmlns:a16="http://schemas.microsoft.com/office/drawing/2014/main" xmlns="" id="{6AEA0E2D-A863-4FE5-B5C5-EF3FF67A1512}"/>
               </a:ext>
             </a:extLst>
           </p:cNvPr>
@@ -1140,7 +1145,7 @@
           <a:p>
             <a:fld id="{95DFE522-6879-468D-949B-D81CCED7BDC2}" type="datetimeFigureOut">
               <a:rPr lang="en-US" smtClean="0"/>
-              <a:t>10/27/2017</a:t>
+              <a:t>11/10/17</a:t>
             </a:fld>
             <a:endParaRPr lang="en-US"/>
           </a:p>
@@ -1151,7 +1156,7 @@
           <p:cNvPr id="5" name="Footer Placeholder 4">
             <a:extLst>
               <a:ext uri="{FF2B5EF4-FFF2-40B4-BE49-F238E27FC236}">
-                <a16:creationId xmlns:a16="http://schemas.microsoft.com/office/drawing/2014/main" id="{8C74906E-FA79-4F99-9BC5-95972D5C4266}"/>
+                <a16:creationId xmlns:a16="http://schemas.microsoft.com/office/drawing/2014/main" xmlns="" id="{8C74906E-FA79-4F99-9BC5-95972D5C4266}"/>
               </a:ext>
             </a:extLst>
           </p:cNvPr>
@@ -1176,7 +1181,7 @@
           <p:cNvPr id="6" name="Slide Number Placeholder 5">
             <a:extLst>
               <a:ext uri="{FF2B5EF4-FFF2-40B4-BE49-F238E27FC236}">
-                <a16:creationId xmlns:a16="http://schemas.microsoft.com/office/drawing/2014/main" id="{9C236359-9097-4001-98A0-0FC839EFA5EE}"/>
+                <a16:creationId xmlns:a16="http://schemas.microsoft.com/office/drawing/2014/main" xmlns="" id="{9C236359-9097-4001-98A0-0FC839EFA5EE}"/>
               </a:ext>
             </a:extLst>
           </p:cNvPr>
@@ -1235,7 +1240,7 @@
           <p:cNvPr id="2" name="Title 1">
             <a:extLst>
               <a:ext uri="{FF2B5EF4-FFF2-40B4-BE49-F238E27FC236}">
-                <a16:creationId xmlns:a16="http://schemas.microsoft.com/office/drawing/2014/main" id="{839910CB-9EC5-4DCC-8F8A-34416D901989}"/>
+                <a16:creationId xmlns:a16="http://schemas.microsoft.com/office/drawing/2014/main" xmlns="" id="{839910CB-9EC5-4DCC-8F8A-34416D901989}"/>
               </a:ext>
             </a:extLst>
           </p:cNvPr>
@@ -1263,7 +1268,7 @@
           <p:cNvPr id="3" name="Content Placeholder 2">
             <a:extLst>
               <a:ext uri="{FF2B5EF4-FFF2-40B4-BE49-F238E27FC236}">
-                <a16:creationId xmlns:a16="http://schemas.microsoft.com/office/drawing/2014/main" id="{BDAD6435-7E30-4AFD-91C4-ED84B1D49E86}"/>
+                <a16:creationId xmlns:a16="http://schemas.microsoft.com/office/drawing/2014/main" xmlns="" id="{BDAD6435-7E30-4AFD-91C4-ED84B1D49E86}"/>
               </a:ext>
             </a:extLst>
           </p:cNvPr>
@@ -1325,7 +1330,7 @@
           <p:cNvPr id="4" name="Content Placeholder 3">
             <a:extLst>
               <a:ext uri="{FF2B5EF4-FFF2-40B4-BE49-F238E27FC236}">
-                <a16:creationId xmlns:a16="http://schemas.microsoft.com/office/drawing/2014/main" id="{2C802199-B4D4-463D-9CBB-D9F6894F5C4E}"/>
+                <a16:creationId xmlns:a16="http://schemas.microsoft.com/office/drawing/2014/main" xmlns="" id="{2C802199-B4D4-463D-9CBB-D9F6894F5C4E}"/>
               </a:ext>
             </a:extLst>
           </p:cNvPr>
@@ -1387,7 +1392,7 @@
           <p:cNvPr id="5" name="Date Placeholder 4">
             <a:extLst>
               <a:ext uri="{FF2B5EF4-FFF2-40B4-BE49-F238E27FC236}">
-                <a16:creationId xmlns:a16="http://schemas.microsoft.com/office/drawing/2014/main" id="{D124055A-4F85-4EE5-987E-A008DF3C86EC}"/>
+                <a16:creationId xmlns:a16="http://schemas.microsoft.com/office/drawing/2014/main" xmlns="" id="{D124055A-4F85-4EE5-987E-A008DF3C86EC}"/>
               </a:ext>
             </a:extLst>
           </p:cNvPr>
@@ -1405,7 +1410,7 @@
           <a:p>
             <a:fld id="{95DFE522-6879-468D-949B-D81CCED7BDC2}" type="datetimeFigureOut">
               <a:rPr lang="en-US" smtClean="0"/>
-              <a:t>10/27/2017</a:t>
+              <a:t>11/10/17</a:t>
             </a:fld>
             <a:endParaRPr lang="en-US"/>
           </a:p>
@@ -1416,7 +1421,7 @@
           <p:cNvPr id="6" name="Footer Placeholder 5">
             <a:extLst>
               <a:ext uri="{FF2B5EF4-FFF2-40B4-BE49-F238E27FC236}">
-                <a16:creationId xmlns:a16="http://schemas.microsoft.com/office/drawing/2014/main" id="{99B367E6-43E3-4075-B9F8-3E7050ED002F}"/>
+                <a16:creationId xmlns:a16="http://schemas.microsoft.com/office/drawing/2014/main" xmlns="" id="{99B367E6-43E3-4075-B9F8-3E7050ED002F}"/>
               </a:ext>
             </a:extLst>
           </p:cNvPr>
@@ -1441,7 +1446,7 @@
           <p:cNvPr id="7" name="Slide Number Placeholder 6">
             <a:extLst>
               <a:ext uri="{FF2B5EF4-FFF2-40B4-BE49-F238E27FC236}">
-                <a16:creationId xmlns:a16="http://schemas.microsoft.com/office/drawing/2014/main" id="{962E5773-17FC-40B3-AEB0-6E6748F356A5}"/>
+                <a16:creationId xmlns:a16="http://schemas.microsoft.com/office/drawing/2014/main" xmlns="" id="{962E5773-17FC-40B3-AEB0-6E6748F356A5}"/>
               </a:ext>
             </a:extLst>
           </p:cNvPr>
@@ -1500,7 +1505,7 @@
           <p:cNvPr id="2" name="Title 1">
             <a:extLst>
               <a:ext uri="{FF2B5EF4-FFF2-40B4-BE49-F238E27FC236}">
-                <a16:creationId xmlns:a16="http://schemas.microsoft.com/office/drawing/2014/main" id="{83A26B56-CEF7-426D-85A9-03402285196E}"/>
+                <a16:creationId xmlns:a16="http://schemas.microsoft.com/office/drawing/2014/main" xmlns="" id="{83A26B56-CEF7-426D-85A9-03402285196E}"/>
               </a:ext>
             </a:extLst>
           </p:cNvPr>
@@ -1533,7 +1538,7 @@
           <p:cNvPr id="3" name="Text Placeholder 2">
             <a:extLst>
               <a:ext uri="{FF2B5EF4-FFF2-40B4-BE49-F238E27FC236}">
-                <a16:creationId xmlns:a16="http://schemas.microsoft.com/office/drawing/2014/main" id="{84F09ECB-7F0A-45A6-B3D6-75E0D7CE7548}"/>
+                <a16:creationId xmlns:a16="http://schemas.microsoft.com/office/drawing/2014/main" xmlns="" id="{84F09ECB-7F0A-45A6-B3D6-75E0D7CE7548}"/>
               </a:ext>
             </a:extLst>
           </p:cNvPr>
@@ -1604,7 +1609,7 @@
           <p:cNvPr id="4" name="Content Placeholder 3">
             <a:extLst>
               <a:ext uri="{FF2B5EF4-FFF2-40B4-BE49-F238E27FC236}">
-                <a16:creationId xmlns:a16="http://schemas.microsoft.com/office/drawing/2014/main" id="{B4985CD4-7281-47B0-8A7F-6678EE5741B1}"/>
+                <a16:creationId xmlns:a16="http://schemas.microsoft.com/office/drawing/2014/main" xmlns="" id="{B4985CD4-7281-47B0-8A7F-6678EE5741B1}"/>
               </a:ext>
             </a:extLst>
           </p:cNvPr>
@@ -1666,7 +1671,7 @@
           <p:cNvPr id="5" name="Text Placeholder 4">
             <a:extLst>
               <a:ext uri="{FF2B5EF4-FFF2-40B4-BE49-F238E27FC236}">
-                <a16:creationId xmlns:a16="http://schemas.microsoft.com/office/drawing/2014/main" id="{C6BFA0B5-17DA-40AD-80C3-8AFF5DE67444}"/>
+                <a16:creationId xmlns:a16="http://schemas.microsoft.com/office/drawing/2014/main" xmlns="" id="{C6BFA0B5-17DA-40AD-80C3-8AFF5DE67444}"/>
               </a:ext>
             </a:extLst>
           </p:cNvPr>
@@ -1737,7 +1742,7 @@
           <p:cNvPr id="6" name="Content Placeholder 5">
             <a:extLst>
               <a:ext uri="{FF2B5EF4-FFF2-40B4-BE49-F238E27FC236}">
-                <a16:creationId xmlns:a16="http://schemas.microsoft.com/office/drawing/2014/main" id="{3799C262-9FBB-4F4D-82D3-7E1BBEDA35E6}"/>
+                <a16:creationId xmlns:a16="http://schemas.microsoft.com/office/drawing/2014/main" xmlns="" id="{3799C262-9FBB-4F4D-82D3-7E1BBEDA35E6}"/>
               </a:ext>
             </a:extLst>
           </p:cNvPr>
@@ -1799,7 +1804,7 @@
           <p:cNvPr id="7" name="Date Placeholder 6">
             <a:extLst>
               <a:ext uri="{FF2B5EF4-FFF2-40B4-BE49-F238E27FC236}">
-                <a16:creationId xmlns:a16="http://schemas.microsoft.com/office/drawing/2014/main" id="{D034C37D-0E2D-462A-986F-441E1EC633D0}"/>
+                <a16:creationId xmlns:a16="http://schemas.microsoft.com/office/drawing/2014/main" xmlns="" id="{D034C37D-0E2D-462A-986F-441E1EC633D0}"/>
               </a:ext>
             </a:extLst>
           </p:cNvPr>
@@ -1817,7 +1822,7 @@
           <a:p>
             <a:fld id="{95DFE522-6879-468D-949B-D81CCED7BDC2}" type="datetimeFigureOut">
               <a:rPr lang="en-US" smtClean="0"/>
-              <a:t>10/27/2017</a:t>
+              <a:t>11/10/17</a:t>
             </a:fld>
             <a:endParaRPr lang="en-US"/>
           </a:p>
@@ -1828,7 +1833,7 @@
           <p:cNvPr id="8" name="Footer Placeholder 7">
             <a:extLst>
               <a:ext uri="{FF2B5EF4-FFF2-40B4-BE49-F238E27FC236}">
-                <a16:creationId xmlns:a16="http://schemas.microsoft.com/office/drawing/2014/main" id="{F8731B4A-817D-4CDF-93BC-5F7FEA686529}"/>
+                <a16:creationId xmlns:a16="http://schemas.microsoft.com/office/drawing/2014/main" xmlns="" id="{F8731B4A-817D-4CDF-93BC-5F7FEA686529}"/>
               </a:ext>
             </a:extLst>
           </p:cNvPr>
@@ -1853,7 +1858,7 @@
           <p:cNvPr id="9" name="Slide Number Placeholder 8">
             <a:extLst>
               <a:ext uri="{FF2B5EF4-FFF2-40B4-BE49-F238E27FC236}">
-                <a16:creationId xmlns:a16="http://schemas.microsoft.com/office/drawing/2014/main" id="{982E32E6-62F0-46F6-A6BA-62FB7ED5D363}"/>
+                <a16:creationId xmlns:a16="http://schemas.microsoft.com/office/drawing/2014/main" xmlns="" id="{982E32E6-62F0-46F6-A6BA-62FB7ED5D363}"/>
               </a:ext>
             </a:extLst>
           </p:cNvPr>
@@ -1912,7 +1917,7 @@
           <p:cNvPr id="2" name="Title 1">
             <a:extLst>
               <a:ext uri="{FF2B5EF4-FFF2-40B4-BE49-F238E27FC236}">
-                <a16:creationId xmlns:a16="http://schemas.microsoft.com/office/drawing/2014/main" id="{948EEE1F-5DAE-46BD-9CA3-B69293E056B2}"/>
+                <a16:creationId xmlns:a16="http://schemas.microsoft.com/office/drawing/2014/main" xmlns="" id="{948EEE1F-5DAE-46BD-9CA3-B69293E056B2}"/>
               </a:ext>
             </a:extLst>
           </p:cNvPr>
@@ -1940,7 +1945,7 @@
           <p:cNvPr id="3" name="Date Placeholder 2">
             <a:extLst>
               <a:ext uri="{FF2B5EF4-FFF2-40B4-BE49-F238E27FC236}">
-                <a16:creationId xmlns:a16="http://schemas.microsoft.com/office/drawing/2014/main" id="{5680745E-C6FF-44B7-8810-1558DD415BAB}"/>
+                <a16:creationId xmlns:a16="http://schemas.microsoft.com/office/drawing/2014/main" xmlns="" id="{5680745E-C6FF-44B7-8810-1558DD415BAB}"/>
               </a:ext>
             </a:extLst>
           </p:cNvPr>
@@ -1958,7 +1963,7 @@
           <a:p>
             <a:fld id="{95DFE522-6879-468D-949B-D81CCED7BDC2}" type="datetimeFigureOut">
               <a:rPr lang="en-US" smtClean="0"/>
-              <a:t>10/27/2017</a:t>
+              <a:t>11/10/17</a:t>
             </a:fld>
             <a:endParaRPr lang="en-US"/>
           </a:p>
@@ -1969,7 +1974,7 @@
           <p:cNvPr id="4" name="Footer Placeholder 3">
             <a:extLst>
               <a:ext uri="{FF2B5EF4-FFF2-40B4-BE49-F238E27FC236}">
-                <a16:creationId xmlns:a16="http://schemas.microsoft.com/office/drawing/2014/main" id="{F9E461DC-D371-4085-BA5B-2A9984FB16BD}"/>
+                <a16:creationId xmlns:a16="http://schemas.microsoft.com/office/drawing/2014/main" xmlns="" id="{F9E461DC-D371-4085-BA5B-2A9984FB16BD}"/>
               </a:ext>
             </a:extLst>
           </p:cNvPr>
@@ -1994,7 +1999,7 @@
           <p:cNvPr id="5" name="Slide Number Placeholder 4">
             <a:extLst>
               <a:ext uri="{FF2B5EF4-FFF2-40B4-BE49-F238E27FC236}">
-                <a16:creationId xmlns:a16="http://schemas.microsoft.com/office/drawing/2014/main" id="{44CF5F4F-AF2A-4A1C-8DB2-C53196CC3DDD}"/>
+                <a16:creationId xmlns:a16="http://schemas.microsoft.com/office/drawing/2014/main" xmlns="" id="{44CF5F4F-AF2A-4A1C-8DB2-C53196CC3DDD}"/>
               </a:ext>
             </a:extLst>
           </p:cNvPr>
@@ -2053,7 +2058,7 @@
           <p:cNvPr id="2" name="Date Placeholder 1">
             <a:extLst>
               <a:ext uri="{FF2B5EF4-FFF2-40B4-BE49-F238E27FC236}">
-                <a16:creationId xmlns:a16="http://schemas.microsoft.com/office/drawing/2014/main" id="{AA04A784-D88B-4438-B7F6-360BB632ED17}"/>
+                <a16:creationId xmlns:a16="http://schemas.microsoft.com/office/drawing/2014/main" xmlns="" id="{AA04A784-D88B-4438-B7F6-360BB632ED17}"/>
               </a:ext>
             </a:extLst>
           </p:cNvPr>
@@ -2071,7 +2076,7 @@
           <a:p>
             <a:fld id="{95DFE522-6879-468D-949B-D81CCED7BDC2}" type="datetimeFigureOut">
               <a:rPr lang="en-US" smtClean="0"/>
-              <a:t>10/27/2017</a:t>
+              <a:t>11/10/17</a:t>
             </a:fld>
             <a:endParaRPr lang="en-US"/>
           </a:p>
@@ -2082,7 +2087,7 @@
           <p:cNvPr id="3" name="Footer Placeholder 2">
             <a:extLst>
               <a:ext uri="{FF2B5EF4-FFF2-40B4-BE49-F238E27FC236}">
-                <a16:creationId xmlns:a16="http://schemas.microsoft.com/office/drawing/2014/main" id="{9DE6EA23-ABE5-4F99-8BE5-E4BAF4232CA1}"/>
+                <a16:creationId xmlns:a16="http://schemas.microsoft.com/office/drawing/2014/main" xmlns="" id="{9DE6EA23-ABE5-4F99-8BE5-E4BAF4232CA1}"/>
               </a:ext>
             </a:extLst>
           </p:cNvPr>
@@ -2107,7 +2112,7 @@
           <p:cNvPr id="4" name="Slide Number Placeholder 3">
             <a:extLst>
               <a:ext uri="{FF2B5EF4-FFF2-40B4-BE49-F238E27FC236}">
-                <a16:creationId xmlns:a16="http://schemas.microsoft.com/office/drawing/2014/main" id="{3B9FE60F-63E7-4ECA-8F7D-0993F5DFF9DA}"/>
+                <a16:creationId xmlns:a16="http://schemas.microsoft.com/office/drawing/2014/main" xmlns="" id="{3B9FE60F-63E7-4ECA-8F7D-0993F5DFF9DA}"/>
               </a:ext>
             </a:extLst>
           </p:cNvPr>
@@ -2166,7 +2171,7 @@
           <p:cNvPr id="2" name="Title 1">
             <a:extLst>
               <a:ext uri="{FF2B5EF4-FFF2-40B4-BE49-F238E27FC236}">
-                <a16:creationId xmlns:a16="http://schemas.microsoft.com/office/drawing/2014/main" id="{7170F3ED-413D-44B8-84A3-492696E92E9F}"/>
+                <a16:creationId xmlns:a16="http://schemas.microsoft.com/office/drawing/2014/main" xmlns="" id="{7170F3ED-413D-44B8-84A3-492696E92E9F}"/>
               </a:ext>
             </a:extLst>
           </p:cNvPr>
@@ -2203,7 +2208,7 @@
           <p:cNvPr id="3" name="Content Placeholder 2">
             <a:extLst>
               <a:ext uri="{FF2B5EF4-FFF2-40B4-BE49-F238E27FC236}">
-                <a16:creationId xmlns:a16="http://schemas.microsoft.com/office/drawing/2014/main" id="{3015A93A-5233-4234-B882-2EABAF2072A7}"/>
+                <a16:creationId xmlns:a16="http://schemas.microsoft.com/office/drawing/2014/main" xmlns="" id="{3015A93A-5233-4234-B882-2EABAF2072A7}"/>
               </a:ext>
             </a:extLst>
           </p:cNvPr>
@@ -2293,7 +2298,7 @@
           <p:cNvPr id="4" name="Text Placeholder 3">
             <a:extLst>
               <a:ext uri="{FF2B5EF4-FFF2-40B4-BE49-F238E27FC236}">
-                <a16:creationId xmlns:a16="http://schemas.microsoft.com/office/drawing/2014/main" id="{354A609B-0330-4985-A72C-2F84C58BF04A}"/>
+                <a16:creationId xmlns:a16="http://schemas.microsoft.com/office/drawing/2014/main" xmlns="" id="{354A609B-0330-4985-A72C-2F84C58BF04A}"/>
               </a:ext>
             </a:extLst>
           </p:cNvPr>
@@ -2364,7 +2369,7 @@
           <p:cNvPr id="5" name="Date Placeholder 4">
             <a:extLst>
               <a:ext uri="{FF2B5EF4-FFF2-40B4-BE49-F238E27FC236}">
-                <a16:creationId xmlns:a16="http://schemas.microsoft.com/office/drawing/2014/main" id="{3D527418-956B-482E-BD62-1745BD101F61}"/>
+                <a16:creationId xmlns:a16="http://schemas.microsoft.com/office/drawing/2014/main" xmlns="" id="{3D527418-956B-482E-BD62-1745BD101F61}"/>
               </a:ext>
             </a:extLst>
           </p:cNvPr>
@@ -2382,7 +2387,7 @@
           <a:p>
             <a:fld id="{95DFE522-6879-468D-949B-D81CCED7BDC2}" type="datetimeFigureOut">
               <a:rPr lang="en-US" smtClean="0"/>
-              <a:t>10/27/2017</a:t>
+              <a:t>11/10/17</a:t>
             </a:fld>
             <a:endParaRPr lang="en-US"/>
           </a:p>
@@ -2393,7 +2398,7 @@
           <p:cNvPr id="6" name="Footer Placeholder 5">
             <a:extLst>
               <a:ext uri="{FF2B5EF4-FFF2-40B4-BE49-F238E27FC236}">
-                <a16:creationId xmlns:a16="http://schemas.microsoft.com/office/drawing/2014/main" id="{F82DCA1A-1E61-4021-B26B-9FEA6BF797F6}"/>
+                <a16:creationId xmlns:a16="http://schemas.microsoft.com/office/drawing/2014/main" xmlns="" id="{F82DCA1A-1E61-4021-B26B-9FEA6BF797F6}"/>
               </a:ext>
             </a:extLst>
           </p:cNvPr>
@@ -2418,7 +2423,7 @@
           <p:cNvPr id="7" name="Slide Number Placeholder 6">
             <a:extLst>
               <a:ext uri="{FF2B5EF4-FFF2-40B4-BE49-F238E27FC236}">
-                <a16:creationId xmlns:a16="http://schemas.microsoft.com/office/drawing/2014/main" id="{F218DE36-CFAB-41CA-99BC-04DB03E0F4F2}"/>
+                <a16:creationId xmlns:a16="http://schemas.microsoft.com/office/drawing/2014/main" xmlns="" id="{F218DE36-CFAB-41CA-99BC-04DB03E0F4F2}"/>
               </a:ext>
             </a:extLst>
           </p:cNvPr>
@@ -2477,7 +2482,7 @@
           <p:cNvPr id="2" name="Title 1">
             <a:extLst>
               <a:ext uri="{FF2B5EF4-FFF2-40B4-BE49-F238E27FC236}">
-                <a16:creationId xmlns:a16="http://schemas.microsoft.com/office/drawing/2014/main" id="{98A7E7E7-3229-4BA2-9754-C0E395B91B42}"/>
+                <a16:creationId xmlns:a16="http://schemas.microsoft.com/office/drawing/2014/main" xmlns="" id="{98A7E7E7-3229-4BA2-9754-C0E395B91B42}"/>
               </a:ext>
             </a:extLst>
           </p:cNvPr>
@@ -2514,7 +2519,7 @@
           <p:cNvPr id="3" name="Picture Placeholder 2">
             <a:extLst>
               <a:ext uri="{FF2B5EF4-FFF2-40B4-BE49-F238E27FC236}">
-                <a16:creationId xmlns:a16="http://schemas.microsoft.com/office/drawing/2014/main" id="{5B207546-2048-4DEF-8992-BDFC02085B80}"/>
+                <a16:creationId xmlns:a16="http://schemas.microsoft.com/office/drawing/2014/main" xmlns="" id="{5B207546-2048-4DEF-8992-BDFC02085B80}"/>
               </a:ext>
             </a:extLst>
           </p:cNvPr>
@@ -2581,7 +2586,7 @@
           <p:cNvPr id="4" name="Text Placeholder 3">
             <a:extLst>
               <a:ext uri="{FF2B5EF4-FFF2-40B4-BE49-F238E27FC236}">
-                <a16:creationId xmlns:a16="http://schemas.microsoft.com/office/drawing/2014/main" id="{7B488AB3-B688-41C1-A0D7-4DA275E95B77}"/>
+                <a16:creationId xmlns:a16="http://schemas.microsoft.com/office/drawing/2014/main" xmlns="" id="{7B488AB3-B688-41C1-A0D7-4DA275E95B77}"/>
               </a:ext>
             </a:extLst>
           </p:cNvPr>
@@ -2652,7 +2657,7 @@
           <p:cNvPr id="5" name="Date Placeholder 4">
             <a:extLst>
               <a:ext uri="{FF2B5EF4-FFF2-40B4-BE49-F238E27FC236}">
-                <a16:creationId xmlns:a16="http://schemas.microsoft.com/office/drawing/2014/main" id="{05109B3A-076F-444C-AEBC-DAFE0290B67B}"/>
+                <a16:creationId xmlns:a16="http://schemas.microsoft.com/office/drawing/2014/main" xmlns="" id="{05109B3A-076F-444C-AEBC-DAFE0290B67B}"/>
               </a:ext>
             </a:extLst>
           </p:cNvPr>
@@ -2670,7 +2675,7 @@
           <a:p>
             <a:fld id="{95DFE522-6879-468D-949B-D81CCED7BDC2}" type="datetimeFigureOut">
               <a:rPr lang="en-US" smtClean="0"/>
-              <a:t>10/27/2017</a:t>
+              <a:t>11/10/17</a:t>
             </a:fld>
             <a:endParaRPr lang="en-US"/>
           </a:p>
@@ -2681,7 +2686,7 @@
           <p:cNvPr id="6" name="Footer Placeholder 5">
             <a:extLst>
               <a:ext uri="{FF2B5EF4-FFF2-40B4-BE49-F238E27FC236}">
-                <a16:creationId xmlns:a16="http://schemas.microsoft.com/office/drawing/2014/main" id="{51AE9993-D046-48C8-92FF-5148862D4244}"/>
+                <a16:creationId xmlns:a16="http://schemas.microsoft.com/office/drawing/2014/main" xmlns="" id="{51AE9993-D046-48C8-92FF-5148862D4244}"/>
               </a:ext>
             </a:extLst>
           </p:cNvPr>
@@ -2706,7 +2711,7 @@
           <p:cNvPr id="7" name="Slide Number Placeholder 6">
             <a:extLst>
               <a:ext uri="{FF2B5EF4-FFF2-40B4-BE49-F238E27FC236}">
-                <a16:creationId xmlns:a16="http://schemas.microsoft.com/office/drawing/2014/main" id="{A2CA525E-FD28-4016-B01C-594AEC64903C}"/>
+                <a16:creationId xmlns:a16="http://schemas.microsoft.com/office/drawing/2014/main" xmlns="" id="{A2CA525E-FD28-4016-B01C-594AEC64903C}"/>
               </a:ext>
             </a:extLst>
           </p:cNvPr>
@@ -2770,7 +2775,7 @@
           <p:cNvPr id="2" name="Title Placeholder 1">
             <a:extLst>
               <a:ext uri="{FF2B5EF4-FFF2-40B4-BE49-F238E27FC236}">
-                <a16:creationId xmlns:a16="http://schemas.microsoft.com/office/drawing/2014/main" id="{2EB8BD1A-B3D5-44E7-ABAE-3A74780B77F9}"/>
+                <a16:creationId xmlns:a16="http://schemas.microsoft.com/office/drawing/2014/main" xmlns="" id="{2EB8BD1A-B3D5-44E7-ABAE-3A74780B77F9}"/>
               </a:ext>
             </a:extLst>
           </p:cNvPr>
@@ -2808,7 +2813,7 @@
           <p:cNvPr id="3" name="Text Placeholder 2">
             <a:extLst>
               <a:ext uri="{FF2B5EF4-FFF2-40B4-BE49-F238E27FC236}">
-                <a16:creationId xmlns:a16="http://schemas.microsoft.com/office/drawing/2014/main" id="{97306814-E96D-4B47-ABA2-60AA2B8250AF}"/>
+                <a16:creationId xmlns:a16="http://schemas.microsoft.com/office/drawing/2014/main" xmlns="" id="{97306814-E96D-4B47-ABA2-60AA2B8250AF}"/>
               </a:ext>
             </a:extLst>
           </p:cNvPr>
@@ -2875,7 +2880,7 @@
           <p:cNvPr id="4" name="Date Placeholder 3">
             <a:extLst>
               <a:ext uri="{FF2B5EF4-FFF2-40B4-BE49-F238E27FC236}">
-                <a16:creationId xmlns:a16="http://schemas.microsoft.com/office/drawing/2014/main" id="{AF22B8FD-F822-48B8-9E45-BC4722E39C21}"/>
+                <a16:creationId xmlns:a16="http://schemas.microsoft.com/office/drawing/2014/main" xmlns="" id="{AF22B8FD-F822-48B8-9E45-BC4722E39C21}"/>
               </a:ext>
             </a:extLst>
           </p:cNvPr>
@@ -2911,7 +2916,7 @@
           <a:p>
             <a:fld id="{95DFE522-6879-468D-949B-D81CCED7BDC2}" type="datetimeFigureOut">
               <a:rPr lang="en-US" smtClean="0"/>
-              <a:t>10/27/2017</a:t>
+              <a:t>11/10/17</a:t>
             </a:fld>
             <a:endParaRPr lang="en-US"/>
           </a:p>
@@ -2922,7 +2927,7 @@
           <p:cNvPr id="5" name="Footer Placeholder 4">
             <a:extLst>
               <a:ext uri="{FF2B5EF4-FFF2-40B4-BE49-F238E27FC236}">
-                <a16:creationId xmlns:a16="http://schemas.microsoft.com/office/drawing/2014/main" id="{2E3969AC-B4DC-4987-ADA9-B83259949472}"/>
+                <a16:creationId xmlns:a16="http://schemas.microsoft.com/office/drawing/2014/main" xmlns="" id="{2E3969AC-B4DC-4987-ADA9-B83259949472}"/>
               </a:ext>
             </a:extLst>
           </p:cNvPr>
@@ -2965,7 +2970,7 @@
           <p:cNvPr id="6" name="Slide Number Placeholder 5">
             <a:extLst>
               <a:ext uri="{FF2B5EF4-FFF2-40B4-BE49-F238E27FC236}">
-                <a16:creationId xmlns:a16="http://schemas.microsoft.com/office/drawing/2014/main" id="{F21425E0-03DE-4423-BB03-BDE9B265B3AB}"/>
+                <a16:creationId xmlns:a16="http://schemas.microsoft.com/office/drawing/2014/main" xmlns="" id="{F21425E0-03DE-4423-BB03-BDE9B265B3AB}"/>
               </a:ext>
             </a:extLst>
           </p:cNvPr>
@@ -3333,7 +3338,7 @@
           <p:cNvPr id="2" name="Title 1">
             <a:extLst>
               <a:ext uri="{FF2B5EF4-FFF2-40B4-BE49-F238E27FC236}">
-                <a16:creationId xmlns:a16="http://schemas.microsoft.com/office/drawing/2014/main" id="{9D950B57-130C-459A-9E65-4F888CD87F85}"/>
+                <a16:creationId xmlns:a16="http://schemas.microsoft.com/office/drawing/2014/main" xmlns="" id="{9D950B57-130C-459A-9E65-4F888CD87F85}"/>
               </a:ext>
             </a:extLst>
           </p:cNvPr>
@@ -3366,7 +3371,7 @@
           <p:cNvPr id="3" name="Subtitle 2">
             <a:extLst>
               <a:ext uri="{FF2B5EF4-FFF2-40B4-BE49-F238E27FC236}">
-                <a16:creationId xmlns:a16="http://schemas.microsoft.com/office/drawing/2014/main" id="{727B5B1B-B398-4AD6-97EB-64BDD7010F72}"/>
+                <a16:creationId xmlns:a16="http://schemas.microsoft.com/office/drawing/2014/main" xmlns="" id="{727B5B1B-B398-4AD6-97EB-64BDD7010F72}"/>
               </a:ext>
             </a:extLst>
           </p:cNvPr>
@@ -3385,7 +3390,7 @@
         </p:spPr>
         <p:txBody>
           <a:bodyPr>
-            <a:normAutofit fontScale="85000" lnSpcReduction="20000"/>
+            <a:normAutofit fontScale="55000" lnSpcReduction="20000"/>
           </a:bodyPr>
           <a:lstStyle/>
           <a:p>
@@ -3397,7 +3402,15 @@
           <a:p>
             <a:r>
               <a:rPr lang="en-US" dirty="0"/>
-              <a:t>(Which will link to individual player pages)   	 							</a:t>
+              <a:t>(Which will link to individual player </a:t>
+            </a:r>
+            <a:r>
+              <a:rPr lang="en-US" dirty="0" smtClean="0"/>
+              <a:t>pages, not in this page anymore)   </a:t>
+            </a:r>
+            <a:r>
+              <a:rPr lang="en-US" dirty="0"/>
+              <a:t>	 							</a:t>
             </a:r>
           </a:p>
           <a:p>
@@ -3413,7 +3426,7 @@
           <p:cNvPr id="6" name="Straight Connector 5">
             <a:extLst>
               <a:ext uri="{FF2B5EF4-FFF2-40B4-BE49-F238E27FC236}">
-                <a16:creationId xmlns:a16="http://schemas.microsoft.com/office/drawing/2014/main" id="{36944C94-A80D-495A-8C7F-FD0015674D71}"/>
+                <a16:creationId xmlns:a16="http://schemas.microsoft.com/office/drawing/2014/main" xmlns="" id="{36944C94-A80D-495A-8C7F-FD0015674D71}"/>
               </a:ext>
             </a:extLst>
           </p:cNvPr>
@@ -3449,7 +3462,7 @@
           <p:cNvPr id="8" name="Straight Connector 7">
             <a:extLst>
               <a:ext uri="{FF2B5EF4-FFF2-40B4-BE49-F238E27FC236}">
-                <a16:creationId xmlns:a16="http://schemas.microsoft.com/office/drawing/2014/main" id="{0415915A-3279-4E17-BFE8-2497EE9C78F8}"/>
+                <a16:creationId xmlns:a16="http://schemas.microsoft.com/office/drawing/2014/main" xmlns="" id="{0415915A-3279-4E17-BFE8-2497EE9C78F8}"/>
               </a:ext>
             </a:extLst>
           </p:cNvPr>
@@ -3485,7 +3498,7 @@
           <p:cNvPr id="9" name="Rectangle 8">
             <a:extLst>
               <a:ext uri="{FF2B5EF4-FFF2-40B4-BE49-F238E27FC236}">
-                <a16:creationId xmlns:a16="http://schemas.microsoft.com/office/drawing/2014/main" id="{02A31E29-350D-4B2C-9AC2-942F99EE73D5}"/>
+                <a16:creationId xmlns:a16="http://schemas.microsoft.com/office/drawing/2014/main" xmlns="" id="{02A31E29-350D-4B2C-9AC2-942F99EE73D5}"/>
               </a:ext>
             </a:extLst>
           </p:cNvPr>
@@ -3531,7 +3544,7 @@
           <p:cNvPr id="4" name="TextBox 3">
             <a:extLst>
               <a:ext uri="{FF2B5EF4-FFF2-40B4-BE49-F238E27FC236}">
-                <a16:creationId xmlns:a16="http://schemas.microsoft.com/office/drawing/2014/main" id="{5B4AB814-99F2-4768-BAC8-6DCBE007C428}"/>
+                <a16:creationId xmlns:a16="http://schemas.microsoft.com/office/drawing/2014/main" xmlns="" id="{5B4AB814-99F2-4768-BAC8-6DCBE007C428}"/>
               </a:ext>
             </a:extLst>
           </p:cNvPr>
@@ -3541,7 +3554,7 @@
         <p:spPr>
           <a:xfrm>
             <a:off x="364502" y="3856208"/>
-            <a:ext cx="7569724" cy="923330"/>
+            <a:ext cx="7569724" cy="1200329"/>
           </a:xfrm>
           <a:prstGeom prst="rect">
             <a:avLst/>
@@ -3556,8 +3569,33 @@
           <a:p>
             <a:r>
               <a:rPr lang="en-US" dirty="0"/>
-              <a:t>Big table showing first 30 or so rows of players from 2017 season (kind of similar to our homework assignment where there was a table of everyone’s names, emails, etc.) </a:t>
-            </a:r>
+              <a:t>Big table showing first 30 or so rows of players from </a:t>
+            </a:r>
+            <a:r>
+              <a:rPr lang="en-US" dirty="0" smtClean="0"/>
+              <a:t>the most recent </a:t>
+            </a:r>
+            <a:r>
+              <a:rPr lang="en-US" dirty="0" smtClean="0"/>
+              <a:t>season </a:t>
+            </a:r>
+            <a:r>
+              <a:rPr lang="en-US" dirty="0"/>
+              <a:t>(kind of similar to our homework assignment where there was a table of everyone’s names, emails, etc.) </a:t>
+            </a:r>
+            <a:r>
+              <a:rPr lang="en-US" dirty="0" smtClean="0"/>
+              <a:t> Batting table in the </a:t>
+            </a:r>
+            <a:r>
+              <a:rPr lang="en-US" dirty="0" err="1" smtClean="0"/>
+              <a:t>db</a:t>
+            </a:r>
+            <a:r>
+              <a:rPr lang="en-US" dirty="0" smtClean="0"/>
+              <a:t> and sort by fields (ascending descending)</a:t>
+            </a:r>
+            <a:endParaRPr lang="en-US" dirty="0"/>
           </a:p>
         </p:txBody>
       </p:sp>
@@ -3566,7 +3604,7 @@
           <p:cNvPr id="10" name="Rectangle 9">
             <a:extLst>
               <a:ext uri="{FF2B5EF4-FFF2-40B4-BE49-F238E27FC236}">
-                <a16:creationId xmlns:a16="http://schemas.microsoft.com/office/drawing/2014/main" id="{4D2D1ABE-5D92-405D-A9F0-C1659FFF9C9C}"/>
+                <a16:creationId xmlns:a16="http://schemas.microsoft.com/office/drawing/2014/main" xmlns="" id="{4D2D1ABE-5D92-405D-A9F0-C1659FFF9C9C}"/>
               </a:ext>
             </a:extLst>
           </p:cNvPr>
@@ -3575,7 +3613,7 @@
         </p:nvSpPr>
         <p:spPr>
           <a:xfrm>
-            <a:off x="9681329" y="2092751"/>
+            <a:off x="9464511" y="2105829"/>
             <a:ext cx="2441542" cy="4449452"/>
           </a:xfrm>
           <a:prstGeom prst="rect">
@@ -3618,7 +3656,7 @@
           <p:cNvPr id="15" name="Rectangle 14">
             <a:extLst>
               <a:ext uri="{FF2B5EF4-FFF2-40B4-BE49-F238E27FC236}">
-                <a16:creationId xmlns:a16="http://schemas.microsoft.com/office/drawing/2014/main" id="{12545505-CA1B-436D-B039-7FB43A0532C6}"/>
+                <a16:creationId xmlns:a16="http://schemas.microsoft.com/office/drawing/2014/main" xmlns="" id="{12545505-CA1B-436D-B039-7FB43A0532C6}"/>
               </a:ext>
             </a:extLst>
           </p:cNvPr>
@@ -3670,7 +3708,7 @@
           <p:cNvPr id="11" name="TextBox 10">
             <a:extLst>
               <a:ext uri="{FF2B5EF4-FFF2-40B4-BE49-F238E27FC236}">
-                <a16:creationId xmlns:a16="http://schemas.microsoft.com/office/drawing/2014/main" id="{3F775E99-BD1F-440D-8BE3-807B315B04B1}"/>
+                <a16:creationId xmlns:a16="http://schemas.microsoft.com/office/drawing/2014/main" xmlns="" id="{3F775E99-BD1F-440D-8BE3-807B315B04B1}"/>
               </a:ext>
             </a:extLst>
           </p:cNvPr>
@@ -3679,8 +3717,8 @@
         </p:nvSpPr>
         <p:spPr>
           <a:xfrm>
-            <a:off x="9785022" y="2238285"/>
-            <a:ext cx="2337849" cy="1477328"/>
+            <a:off x="9516357" y="2238285"/>
+            <a:ext cx="2337849" cy="646331"/>
           </a:xfrm>
           <a:prstGeom prst="rect">
             <a:avLst/>
@@ -3694,8 +3732,8 @@
           <a:lstStyle/>
           <a:p>
             <a:r>
-              <a:rPr lang="en-US" dirty="0"/>
-              <a:t>Series of checkboxes/buttons that determine which “splits” to apply to the table, for example: </a:t>
+              <a:rPr lang="en-US" dirty="0" smtClean="0"/>
+              <a:t>This becomes tentative for now</a:t>
             </a:r>
           </a:p>
         </p:txBody>
@@ -3705,7 +3743,7 @@
           <p:cNvPr id="13" name="TextBox 12">
             <a:extLst>
               <a:ext uri="{FF2B5EF4-FFF2-40B4-BE49-F238E27FC236}">
-                <a16:creationId xmlns:a16="http://schemas.microsoft.com/office/drawing/2014/main" id="{48CD397B-F25F-44C0-A240-67D269048E7A}"/>
+                <a16:creationId xmlns:a16="http://schemas.microsoft.com/office/drawing/2014/main" xmlns="" id="{48CD397B-F25F-44C0-A240-67D269048E7A}"/>
               </a:ext>
             </a:extLst>
           </p:cNvPr>
@@ -3791,7 +3829,7 @@
           <p:cNvPr id="14" name="TextBox 13">
             <a:extLst>
               <a:ext uri="{FF2B5EF4-FFF2-40B4-BE49-F238E27FC236}">
-                <a16:creationId xmlns:a16="http://schemas.microsoft.com/office/drawing/2014/main" id="{16CD2B9A-CE5F-4DF0-83C1-4DC4E27F68DD}"/>
+                <a16:creationId xmlns:a16="http://schemas.microsoft.com/office/drawing/2014/main" xmlns="" id="{16CD2B9A-CE5F-4DF0-83C1-4DC4E27F68DD}"/>
               </a:ext>
             </a:extLst>
           </p:cNvPr>
@@ -3816,8 +3854,13 @@
           <a:p>
             <a:r>
               <a:rPr lang="en-US" dirty="0"/>
-              <a:t>Maybe here is where we do the machine learning/prediction part? Something like “Predict ___ based on stats ____, ____, _____, and ____ where the user can select a stat to predict as well as select the stats to base the prediction on? Probably a sequence of drop-down menus?</a:t>
-            </a:r>
+              <a:t>Maybe here is where we do the machine learning/prediction part? Something like “Predict ___ based on stats ____, ____, _____, and ____ where the user can select a stat to predict as well as select the stats to base the prediction on? Probably a sequence of drop-down menus</a:t>
+            </a:r>
+            <a:r>
+              <a:rPr lang="en-US" dirty="0" smtClean="0"/>
+              <a:t>? (In different page)</a:t>
+            </a:r>
+            <a:endParaRPr lang="en-US" dirty="0"/>
           </a:p>
         </p:txBody>
       </p:sp>
@@ -3856,7 +3899,7 @@
           <p:cNvPr id="5" name="Rectangle 4">
             <a:extLst>
               <a:ext uri="{FF2B5EF4-FFF2-40B4-BE49-F238E27FC236}">
-                <a16:creationId xmlns:a16="http://schemas.microsoft.com/office/drawing/2014/main" id="{505FE1EA-4349-4543-A1B8-EE6ED5C6A411}"/>
+                <a16:creationId xmlns:a16="http://schemas.microsoft.com/office/drawing/2014/main" xmlns="" id="{505FE1EA-4349-4543-A1B8-EE6ED5C6A411}"/>
               </a:ext>
             </a:extLst>
           </p:cNvPr>
@@ -3902,7 +3945,7 @@
           <p:cNvPr id="2" name="Title 1">
             <a:extLst>
               <a:ext uri="{FF2B5EF4-FFF2-40B4-BE49-F238E27FC236}">
-                <a16:creationId xmlns:a16="http://schemas.microsoft.com/office/drawing/2014/main" id="{49FBDF86-E806-4EFC-BDCE-B030CBF44533}"/>
+                <a16:creationId xmlns:a16="http://schemas.microsoft.com/office/drawing/2014/main" xmlns="" id="{49FBDF86-E806-4EFC-BDCE-B030CBF44533}"/>
               </a:ext>
             </a:extLst>
           </p:cNvPr>
@@ -3938,7 +3981,7 @@
           <p:cNvPr id="4" name="TextBox 3">
             <a:extLst>
               <a:ext uri="{FF2B5EF4-FFF2-40B4-BE49-F238E27FC236}">
-                <a16:creationId xmlns:a16="http://schemas.microsoft.com/office/drawing/2014/main" id="{92AE2CBA-0FAE-4691-8BEA-87DE72C18B5A}"/>
+                <a16:creationId xmlns:a16="http://schemas.microsoft.com/office/drawing/2014/main" xmlns="" id="{92AE2CBA-0FAE-4691-8BEA-87DE72C18B5A}"/>
               </a:ext>
             </a:extLst>
           </p:cNvPr>
@@ -3973,7 +4016,7 @@
           <p:cNvPr id="6" name="Rectangle 5">
             <a:extLst>
               <a:ext uri="{FF2B5EF4-FFF2-40B4-BE49-F238E27FC236}">
-                <a16:creationId xmlns:a16="http://schemas.microsoft.com/office/drawing/2014/main" id="{755792F9-E8EB-4736-8BC9-E669B46544EF}"/>
+                <a16:creationId xmlns:a16="http://schemas.microsoft.com/office/drawing/2014/main" xmlns="" id="{755792F9-E8EB-4736-8BC9-E669B46544EF}"/>
               </a:ext>
             </a:extLst>
           </p:cNvPr>
@@ -4025,7 +4068,7 @@
           <p:cNvPr id="7" name="TextBox 6">
             <a:extLst>
               <a:ext uri="{FF2B5EF4-FFF2-40B4-BE49-F238E27FC236}">
-                <a16:creationId xmlns:a16="http://schemas.microsoft.com/office/drawing/2014/main" id="{1FD8ECDE-76D9-49E3-ADCE-65577BDC597F}"/>
+                <a16:creationId xmlns:a16="http://schemas.microsoft.com/office/drawing/2014/main" xmlns="" id="{1FD8ECDE-76D9-49E3-ADCE-65577BDC597F}"/>
               </a:ext>
             </a:extLst>
           </p:cNvPr>
@@ -4060,7 +4103,7 @@
           <p:cNvPr id="8" name="TextBox 7">
             <a:extLst>
               <a:ext uri="{FF2B5EF4-FFF2-40B4-BE49-F238E27FC236}">
-                <a16:creationId xmlns:a16="http://schemas.microsoft.com/office/drawing/2014/main" id="{9916534F-359F-449A-B62F-46BFFFB3AB93}"/>
+                <a16:creationId xmlns:a16="http://schemas.microsoft.com/office/drawing/2014/main" xmlns="" id="{9916534F-359F-449A-B62F-46BFFFB3AB93}"/>
               </a:ext>
             </a:extLst>
           </p:cNvPr>
@@ -4146,7 +4189,7 @@
           <p:cNvPr id="10" name="Rectangle 9">
             <a:extLst>
               <a:ext uri="{FF2B5EF4-FFF2-40B4-BE49-F238E27FC236}">
-                <a16:creationId xmlns:a16="http://schemas.microsoft.com/office/drawing/2014/main" id="{4128137E-6849-439D-A746-C73F8E03BDB9}"/>
+                <a16:creationId xmlns:a16="http://schemas.microsoft.com/office/drawing/2014/main" xmlns="" id="{4128137E-6849-439D-A746-C73F8E03BDB9}"/>
               </a:ext>
             </a:extLst>
           </p:cNvPr>
@@ -4195,7 +4238,7 @@
           <p:cNvPr id="9" name="TextBox 8">
             <a:extLst>
               <a:ext uri="{FF2B5EF4-FFF2-40B4-BE49-F238E27FC236}">
-                <a16:creationId xmlns:a16="http://schemas.microsoft.com/office/drawing/2014/main" id="{8A1836E8-76A6-4012-A622-5CF7B572CE79}"/>
+                <a16:creationId xmlns:a16="http://schemas.microsoft.com/office/drawing/2014/main" xmlns="" id="{8A1836E8-76A6-4012-A622-5CF7B572CE79}"/>
               </a:ext>
             </a:extLst>
           </p:cNvPr>
@@ -4260,7 +4303,7 @@
           <p:cNvPr id="2" name="Title 1">
             <a:extLst>
               <a:ext uri="{FF2B5EF4-FFF2-40B4-BE49-F238E27FC236}">
-                <a16:creationId xmlns:a16="http://schemas.microsoft.com/office/drawing/2014/main" id="{1E4729A2-1C55-46BC-A724-BD1083F28F2C}"/>
+                <a16:creationId xmlns:a16="http://schemas.microsoft.com/office/drawing/2014/main" xmlns="" id="{1E4729A2-1C55-46BC-A724-BD1083F28F2C}"/>
               </a:ext>
             </a:extLst>
           </p:cNvPr>
@@ -4288,7 +4331,7 @@
           <p:cNvPr id="5" name="Rectangle 4">
             <a:extLst>
               <a:ext uri="{FF2B5EF4-FFF2-40B4-BE49-F238E27FC236}">
-                <a16:creationId xmlns:a16="http://schemas.microsoft.com/office/drawing/2014/main" id="{2D9672F0-71BD-45D0-93DF-5E9739E059FE}"/>
+                <a16:creationId xmlns:a16="http://schemas.microsoft.com/office/drawing/2014/main" xmlns="" id="{2D9672F0-71BD-45D0-93DF-5E9739E059FE}"/>
               </a:ext>
             </a:extLst>
           </p:cNvPr>
@@ -4334,7 +4377,7 @@
           <p:cNvPr id="4" name="TextBox 3">
             <a:extLst>
               <a:ext uri="{FF2B5EF4-FFF2-40B4-BE49-F238E27FC236}">
-                <a16:creationId xmlns:a16="http://schemas.microsoft.com/office/drawing/2014/main" id="{B9047198-7850-4FA5-A163-C3D402D7D41A}"/>
+                <a16:creationId xmlns:a16="http://schemas.microsoft.com/office/drawing/2014/main" xmlns="" id="{B9047198-7850-4FA5-A163-C3D402D7D41A}"/>
               </a:ext>
             </a:extLst>
           </p:cNvPr>
@@ -4375,7 +4418,7 @@
           <p:cNvPr id="6" name="Rectangle 5">
             <a:extLst>
               <a:ext uri="{FF2B5EF4-FFF2-40B4-BE49-F238E27FC236}">
-                <a16:creationId xmlns:a16="http://schemas.microsoft.com/office/drawing/2014/main" id="{4BCC2838-F7A7-41D5-87F7-A5278B7025FD}"/>
+                <a16:creationId xmlns:a16="http://schemas.microsoft.com/office/drawing/2014/main" xmlns="" id="{4BCC2838-F7A7-41D5-87F7-A5278B7025FD}"/>
               </a:ext>
             </a:extLst>
           </p:cNvPr>
@@ -4424,7 +4467,7 @@
           <p:cNvPr id="7" name="TextBox 6">
             <a:extLst>
               <a:ext uri="{FF2B5EF4-FFF2-40B4-BE49-F238E27FC236}">
-                <a16:creationId xmlns:a16="http://schemas.microsoft.com/office/drawing/2014/main" id="{E4BB75A6-B029-4CF4-8427-A35A513B8BB9}"/>
+                <a16:creationId xmlns:a16="http://schemas.microsoft.com/office/drawing/2014/main" xmlns="" id="{E4BB75A6-B029-4CF4-8427-A35A513B8BB9}"/>
               </a:ext>
             </a:extLst>
           </p:cNvPr>
@@ -4459,7 +4502,7 @@
           <p:cNvPr id="8" name="Rectangle 7">
             <a:extLst>
               <a:ext uri="{FF2B5EF4-FFF2-40B4-BE49-F238E27FC236}">
-                <a16:creationId xmlns:a16="http://schemas.microsoft.com/office/drawing/2014/main" id="{EBF7AEF9-C548-4988-8754-3439EB01D568}"/>
+                <a16:creationId xmlns:a16="http://schemas.microsoft.com/office/drawing/2014/main" xmlns="" id="{EBF7AEF9-C548-4988-8754-3439EB01D568}"/>
               </a:ext>
             </a:extLst>
           </p:cNvPr>
@@ -4508,7 +4551,7 @@
           <p:cNvPr id="9" name="TextBox 8">
             <a:extLst>
               <a:ext uri="{FF2B5EF4-FFF2-40B4-BE49-F238E27FC236}">
-                <a16:creationId xmlns:a16="http://schemas.microsoft.com/office/drawing/2014/main" id="{2C10FA28-A4D1-45FC-BCBB-B1B818ACA9F7}"/>
+                <a16:creationId xmlns:a16="http://schemas.microsoft.com/office/drawing/2014/main" xmlns="" id="{2C10FA28-A4D1-45FC-BCBB-B1B818ACA9F7}"/>
               </a:ext>
             </a:extLst>
           </p:cNvPr>
@@ -4543,7 +4586,7 @@
           <p:cNvPr id="10" name="Rectangle 9">
             <a:extLst>
               <a:ext uri="{FF2B5EF4-FFF2-40B4-BE49-F238E27FC236}">
-                <a16:creationId xmlns:a16="http://schemas.microsoft.com/office/drawing/2014/main" id="{721A5F74-CDBF-48BC-ABCD-CC9B8931B2FC}"/>
+                <a16:creationId xmlns:a16="http://schemas.microsoft.com/office/drawing/2014/main" xmlns="" id="{721A5F74-CDBF-48BC-ABCD-CC9B8931B2FC}"/>
               </a:ext>
             </a:extLst>
           </p:cNvPr>
@@ -4589,7 +4632,7 @@
           <p:cNvPr id="12" name="TextBox 11">
             <a:extLst>
               <a:ext uri="{FF2B5EF4-FFF2-40B4-BE49-F238E27FC236}">
-                <a16:creationId xmlns:a16="http://schemas.microsoft.com/office/drawing/2014/main" id="{FB7BA656-75C4-4C6F-972F-E5A93E05D866}"/>
+                <a16:creationId xmlns:a16="http://schemas.microsoft.com/office/drawing/2014/main" xmlns="" id="{FB7BA656-75C4-4C6F-972F-E5A93E05D866}"/>
               </a:ext>
             </a:extLst>
           </p:cNvPr>
@@ -4654,7 +4697,7 @@
           <p:cNvPr id="2" name="Title 1">
             <a:extLst>
               <a:ext uri="{FF2B5EF4-FFF2-40B4-BE49-F238E27FC236}">
-                <a16:creationId xmlns:a16="http://schemas.microsoft.com/office/drawing/2014/main" id="{B2432FFD-EEDC-4D65-834A-2DBC8F98FF33}"/>
+                <a16:creationId xmlns:a16="http://schemas.microsoft.com/office/drawing/2014/main" xmlns="" id="{B2432FFD-EEDC-4D65-834A-2DBC8F98FF33}"/>
               </a:ext>
             </a:extLst>
           </p:cNvPr>
@@ -4682,7 +4725,7 @@
           <p:cNvPr id="3" name="Content Placeholder 2">
             <a:extLst>
               <a:ext uri="{FF2B5EF4-FFF2-40B4-BE49-F238E27FC236}">
-                <a16:creationId xmlns:a16="http://schemas.microsoft.com/office/drawing/2014/main" id="{8190EF85-84FF-4696-9B22-617DFC7D1EA6}"/>
+                <a16:creationId xmlns:a16="http://schemas.microsoft.com/office/drawing/2014/main" xmlns="" id="{8190EF85-84FF-4696-9B22-617DFC7D1EA6}"/>
               </a:ext>
             </a:extLst>
           </p:cNvPr>

--- a/Website template.pptx
+++ b/Website template.pptx
@@ -6,9 +6,11 @@
   </p:sldMasterIdLst>
   <p:sldIdLst>
     <p:sldId id="256" r:id="rId2"/>
-    <p:sldId id="257" r:id="rId3"/>
-    <p:sldId id="258" r:id="rId4"/>
-    <p:sldId id="259" r:id="rId5"/>
+    <p:sldId id="261" r:id="rId3"/>
+    <p:sldId id="257" r:id="rId4"/>
+    <p:sldId id="258" r:id="rId5"/>
+    <p:sldId id="259" r:id="rId6"/>
+    <p:sldId id="260" r:id="rId7"/>
   </p:sldIdLst>
   <p:sldSz cx="12192000" cy="6858000"/>
   <p:notesSz cx="6858000" cy="9144000"/>
@@ -141,7 +143,7 @@
           <p:cNvPr id="2" name="Title 1">
             <a:extLst>
               <a:ext uri="{FF2B5EF4-FFF2-40B4-BE49-F238E27FC236}">
-                <a16:creationId xmlns:a16="http://schemas.microsoft.com/office/drawing/2014/main" xmlns="" id="{C021D40D-E18E-4306-A1E9-CDA4F5D1CCDA}"/>
+                <a16:creationId xmlns="" xmlns:a16="http://schemas.microsoft.com/office/drawing/2014/main" id="{C021D40D-E18E-4306-A1E9-CDA4F5D1CCDA}"/>
               </a:ext>
             </a:extLst>
           </p:cNvPr>
@@ -178,7 +180,7 @@
           <p:cNvPr id="3" name="Subtitle 2">
             <a:extLst>
               <a:ext uri="{FF2B5EF4-FFF2-40B4-BE49-F238E27FC236}">
-                <a16:creationId xmlns:a16="http://schemas.microsoft.com/office/drawing/2014/main" xmlns="" id="{3270B9E9-2D85-4F04-9EDC-BAC0A54C517A}"/>
+                <a16:creationId xmlns="" xmlns:a16="http://schemas.microsoft.com/office/drawing/2014/main" id="{3270B9E9-2D85-4F04-9EDC-BAC0A54C517A}"/>
               </a:ext>
             </a:extLst>
           </p:cNvPr>
@@ -248,7 +250,7 @@
           <p:cNvPr id="4" name="Date Placeholder 3">
             <a:extLst>
               <a:ext uri="{FF2B5EF4-FFF2-40B4-BE49-F238E27FC236}">
-                <a16:creationId xmlns:a16="http://schemas.microsoft.com/office/drawing/2014/main" xmlns="" id="{10B626F8-9F64-4D57-B15C-4911AA89D040}"/>
+                <a16:creationId xmlns="" xmlns:a16="http://schemas.microsoft.com/office/drawing/2014/main" id="{10B626F8-9F64-4D57-B15C-4911AA89D040}"/>
               </a:ext>
             </a:extLst>
           </p:cNvPr>
@@ -277,7 +279,7 @@
           <p:cNvPr id="5" name="Footer Placeholder 4">
             <a:extLst>
               <a:ext uri="{FF2B5EF4-FFF2-40B4-BE49-F238E27FC236}">
-                <a16:creationId xmlns:a16="http://schemas.microsoft.com/office/drawing/2014/main" xmlns="" id="{CCB6F6CA-0B83-4572-A191-DF6FC64BA3DB}"/>
+                <a16:creationId xmlns="" xmlns:a16="http://schemas.microsoft.com/office/drawing/2014/main" id="{CCB6F6CA-0B83-4572-A191-DF6FC64BA3DB}"/>
               </a:ext>
             </a:extLst>
           </p:cNvPr>
@@ -302,7 +304,7 @@
           <p:cNvPr id="6" name="Slide Number Placeholder 5">
             <a:extLst>
               <a:ext uri="{FF2B5EF4-FFF2-40B4-BE49-F238E27FC236}">
-                <a16:creationId xmlns:a16="http://schemas.microsoft.com/office/drawing/2014/main" xmlns="" id="{75641C1E-83E8-411F-B979-49F261F8E632}"/>
+                <a16:creationId xmlns="" xmlns:a16="http://schemas.microsoft.com/office/drawing/2014/main" id="{75641C1E-83E8-411F-B979-49F261F8E632}"/>
               </a:ext>
             </a:extLst>
           </p:cNvPr>
@@ -361,7 +363,7 @@
           <p:cNvPr id="2" name="Title 1">
             <a:extLst>
               <a:ext uri="{FF2B5EF4-FFF2-40B4-BE49-F238E27FC236}">
-                <a16:creationId xmlns:a16="http://schemas.microsoft.com/office/drawing/2014/main" xmlns="" id="{9E8FC468-822B-4362-9550-35DBAFDC742B}"/>
+                <a16:creationId xmlns="" xmlns:a16="http://schemas.microsoft.com/office/drawing/2014/main" id="{9E8FC468-822B-4362-9550-35DBAFDC742B}"/>
               </a:ext>
             </a:extLst>
           </p:cNvPr>
@@ -389,7 +391,7 @@
           <p:cNvPr id="3" name="Vertical Text Placeholder 2">
             <a:extLst>
               <a:ext uri="{FF2B5EF4-FFF2-40B4-BE49-F238E27FC236}">
-                <a16:creationId xmlns:a16="http://schemas.microsoft.com/office/drawing/2014/main" xmlns="" id="{1E36511A-3F0D-45B8-8FED-101381B51222}"/>
+                <a16:creationId xmlns="" xmlns:a16="http://schemas.microsoft.com/office/drawing/2014/main" id="{1E36511A-3F0D-45B8-8FED-101381B51222}"/>
               </a:ext>
             </a:extLst>
           </p:cNvPr>
@@ -446,7 +448,7 @@
           <p:cNvPr id="4" name="Date Placeholder 3">
             <a:extLst>
               <a:ext uri="{FF2B5EF4-FFF2-40B4-BE49-F238E27FC236}">
-                <a16:creationId xmlns:a16="http://schemas.microsoft.com/office/drawing/2014/main" xmlns="" id="{FC5B246B-4820-454C-A8B3-9EF0F59338B7}"/>
+                <a16:creationId xmlns="" xmlns:a16="http://schemas.microsoft.com/office/drawing/2014/main" id="{FC5B246B-4820-454C-A8B3-9EF0F59338B7}"/>
               </a:ext>
             </a:extLst>
           </p:cNvPr>
@@ -475,7 +477,7 @@
           <p:cNvPr id="5" name="Footer Placeholder 4">
             <a:extLst>
               <a:ext uri="{FF2B5EF4-FFF2-40B4-BE49-F238E27FC236}">
-                <a16:creationId xmlns:a16="http://schemas.microsoft.com/office/drawing/2014/main" xmlns="" id="{01FA4DC9-CB90-4BDB-A666-22965D17B65D}"/>
+                <a16:creationId xmlns="" xmlns:a16="http://schemas.microsoft.com/office/drawing/2014/main" id="{01FA4DC9-CB90-4BDB-A666-22965D17B65D}"/>
               </a:ext>
             </a:extLst>
           </p:cNvPr>
@@ -500,7 +502,7 @@
           <p:cNvPr id="6" name="Slide Number Placeholder 5">
             <a:extLst>
               <a:ext uri="{FF2B5EF4-FFF2-40B4-BE49-F238E27FC236}">
-                <a16:creationId xmlns:a16="http://schemas.microsoft.com/office/drawing/2014/main" xmlns="" id="{1F334CC5-6798-4F27-A01F-DD34D7342734}"/>
+                <a16:creationId xmlns="" xmlns:a16="http://schemas.microsoft.com/office/drawing/2014/main" id="{1F334CC5-6798-4F27-A01F-DD34D7342734}"/>
               </a:ext>
             </a:extLst>
           </p:cNvPr>
@@ -559,7 +561,7 @@
           <p:cNvPr id="2" name="Vertical Title 1">
             <a:extLst>
               <a:ext uri="{FF2B5EF4-FFF2-40B4-BE49-F238E27FC236}">
-                <a16:creationId xmlns:a16="http://schemas.microsoft.com/office/drawing/2014/main" xmlns="" id="{89243257-33FB-4182-A16F-6B219A3C575A}"/>
+                <a16:creationId xmlns="" xmlns:a16="http://schemas.microsoft.com/office/drawing/2014/main" id="{89243257-33FB-4182-A16F-6B219A3C575A}"/>
               </a:ext>
             </a:extLst>
           </p:cNvPr>
@@ -592,7 +594,7 @@
           <p:cNvPr id="3" name="Vertical Text Placeholder 2">
             <a:extLst>
               <a:ext uri="{FF2B5EF4-FFF2-40B4-BE49-F238E27FC236}">
-                <a16:creationId xmlns:a16="http://schemas.microsoft.com/office/drawing/2014/main" xmlns="" id="{5C27C841-98DB-4E84-9257-146A3578016C}"/>
+                <a16:creationId xmlns="" xmlns:a16="http://schemas.microsoft.com/office/drawing/2014/main" id="{5C27C841-98DB-4E84-9257-146A3578016C}"/>
               </a:ext>
             </a:extLst>
           </p:cNvPr>
@@ -654,7 +656,7 @@
           <p:cNvPr id="4" name="Date Placeholder 3">
             <a:extLst>
               <a:ext uri="{FF2B5EF4-FFF2-40B4-BE49-F238E27FC236}">
-                <a16:creationId xmlns:a16="http://schemas.microsoft.com/office/drawing/2014/main" xmlns="" id="{F6D0D450-AD66-4E52-8F1D-027A7CA689D5}"/>
+                <a16:creationId xmlns="" xmlns:a16="http://schemas.microsoft.com/office/drawing/2014/main" id="{F6D0D450-AD66-4E52-8F1D-027A7CA689D5}"/>
               </a:ext>
             </a:extLst>
           </p:cNvPr>
@@ -683,7 +685,7 @@
           <p:cNvPr id="5" name="Footer Placeholder 4">
             <a:extLst>
               <a:ext uri="{FF2B5EF4-FFF2-40B4-BE49-F238E27FC236}">
-                <a16:creationId xmlns:a16="http://schemas.microsoft.com/office/drawing/2014/main" xmlns="" id="{6D105E2E-190D-4A70-87D2-F023634F491E}"/>
+                <a16:creationId xmlns="" xmlns:a16="http://schemas.microsoft.com/office/drawing/2014/main" id="{6D105E2E-190D-4A70-87D2-F023634F491E}"/>
               </a:ext>
             </a:extLst>
           </p:cNvPr>
@@ -708,7 +710,7 @@
           <p:cNvPr id="6" name="Slide Number Placeholder 5">
             <a:extLst>
               <a:ext uri="{FF2B5EF4-FFF2-40B4-BE49-F238E27FC236}">
-                <a16:creationId xmlns:a16="http://schemas.microsoft.com/office/drawing/2014/main" xmlns="" id="{7D69431E-9576-4D4B-9352-56A853B0A4D8}"/>
+                <a16:creationId xmlns="" xmlns:a16="http://schemas.microsoft.com/office/drawing/2014/main" id="{7D69431E-9576-4D4B-9352-56A853B0A4D8}"/>
               </a:ext>
             </a:extLst>
           </p:cNvPr>
@@ -767,7 +769,7 @@
           <p:cNvPr id="2" name="Title 1">
             <a:extLst>
               <a:ext uri="{FF2B5EF4-FFF2-40B4-BE49-F238E27FC236}">
-                <a16:creationId xmlns:a16="http://schemas.microsoft.com/office/drawing/2014/main" xmlns="" id="{670BF0C6-B5D7-4999-B0B5-E5FECEA9A9A6}"/>
+                <a16:creationId xmlns="" xmlns:a16="http://schemas.microsoft.com/office/drawing/2014/main" id="{670BF0C6-B5D7-4999-B0B5-E5FECEA9A9A6}"/>
               </a:ext>
             </a:extLst>
           </p:cNvPr>
@@ -795,7 +797,7 @@
           <p:cNvPr id="3" name="Content Placeholder 2">
             <a:extLst>
               <a:ext uri="{FF2B5EF4-FFF2-40B4-BE49-F238E27FC236}">
-                <a16:creationId xmlns:a16="http://schemas.microsoft.com/office/drawing/2014/main" xmlns="" id="{5D9479E8-770B-47B7-8EEC-008447AC5725}"/>
+                <a16:creationId xmlns="" xmlns:a16="http://schemas.microsoft.com/office/drawing/2014/main" id="{5D9479E8-770B-47B7-8EEC-008447AC5725}"/>
               </a:ext>
             </a:extLst>
           </p:cNvPr>
@@ -852,7 +854,7 @@
           <p:cNvPr id="4" name="Date Placeholder 3">
             <a:extLst>
               <a:ext uri="{FF2B5EF4-FFF2-40B4-BE49-F238E27FC236}">
-                <a16:creationId xmlns:a16="http://schemas.microsoft.com/office/drawing/2014/main" xmlns="" id="{97FC5EEC-AE1B-422E-BE41-A75DF3CA1F0B}"/>
+                <a16:creationId xmlns="" xmlns:a16="http://schemas.microsoft.com/office/drawing/2014/main" id="{97FC5EEC-AE1B-422E-BE41-A75DF3CA1F0B}"/>
               </a:ext>
             </a:extLst>
           </p:cNvPr>
@@ -881,7 +883,7 @@
           <p:cNvPr id="5" name="Footer Placeholder 4">
             <a:extLst>
               <a:ext uri="{FF2B5EF4-FFF2-40B4-BE49-F238E27FC236}">
-                <a16:creationId xmlns:a16="http://schemas.microsoft.com/office/drawing/2014/main" xmlns="" id="{D0EDB9AA-FB6D-49F1-8275-09B5A4686671}"/>
+                <a16:creationId xmlns="" xmlns:a16="http://schemas.microsoft.com/office/drawing/2014/main" id="{D0EDB9AA-FB6D-49F1-8275-09B5A4686671}"/>
               </a:ext>
             </a:extLst>
           </p:cNvPr>
@@ -906,7 +908,7 @@
           <p:cNvPr id="6" name="Slide Number Placeholder 5">
             <a:extLst>
               <a:ext uri="{FF2B5EF4-FFF2-40B4-BE49-F238E27FC236}">
-                <a16:creationId xmlns:a16="http://schemas.microsoft.com/office/drawing/2014/main" xmlns="" id="{0E12CD3A-869F-4B1C-92F2-046AC14D73BF}"/>
+                <a16:creationId xmlns="" xmlns:a16="http://schemas.microsoft.com/office/drawing/2014/main" id="{0E12CD3A-869F-4B1C-92F2-046AC14D73BF}"/>
               </a:ext>
             </a:extLst>
           </p:cNvPr>
@@ -965,7 +967,7 @@
           <p:cNvPr id="2" name="Title 1">
             <a:extLst>
               <a:ext uri="{FF2B5EF4-FFF2-40B4-BE49-F238E27FC236}">
-                <a16:creationId xmlns:a16="http://schemas.microsoft.com/office/drawing/2014/main" xmlns="" id="{78FB2103-FAFF-4547-897E-8230EDE0662F}"/>
+                <a16:creationId xmlns="" xmlns:a16="http://schemas.microsoft.com/office/drawing/2014/main" id="{78FB2103-FAFF-4547-897E-8230EDE0662F}"/>
               </a:ext>
             </a:extLst>
           </p:cNvPr>
@@ -1002,7 +1004,7 @@
           <p:cNvPr id="3" name="Text Placeholder 2">
             <a:extLst>
               <a:ext uri="{FF2B5EF4-FFF2-40B4-BE49-F238E27FC236}">
-                <a16:creationId xmlns:a16="http://schemas.microsoft.com/office/drawing/2014/main" xmlns="" id="{5CE33F24-8C9C-4830-A040-3E06F1999880}"/>
+                <a16:creationId xmlns="" xmlns:a16="http://schemas.microsoft.com/office/drawing/2014/main" id="{5CE33F24-8C9C-4830-A040-3E06F1999880}"/>
               </a:ext>
             </a:extLst>
           </p:cNvPr>
@@ -1127,7 +1129,7 @@
           <p:cNvPr id="4" name="Date Placeholder 3">
             <a:extLst>
               <a:ext uri="{FF2B5EF4-FFF2-40B4-BE49-F238E27FC236}">
-                <a16:creationId xmlns:a16="http://schemas.microsoft.com/office/drawing/2014/main" xmlns="" id="{6AEA0E2D-A863-4FE5-B5C5-EF3FF67A1512}"/>
+                <a16:creationId xmlns="" xmlns:a16="http://schemas.microsoft.com/office/drawing/2014/main" id="{6AEA0E2D-A863-4FE5-B5C5-EF3FF67A1512}"/>
               </a:ext>
             </a:extLst>
           </p:cNvPr>
@@ -1156,7 +1158,7 @@
           <p:cNvPr id="5" name="Footer Placeholder 4">
             <a:extLst>
               <a:ext uri="{FF2B5EF4-FFF2-40B4-BE49-F238E27FC236}">
-                <a16:creationId xmlns:a16="http://schemas.microsoft.com/office/drawing/2014/main" xmlns="" id="{8C74906E-FA79-4F99-9BC5-95972D5C4266}"/>
+                <a16:creationId xmlns="" xmlns:a16="http://schemas.microsoft.com/office/drawing/2014/main" id="{8C74906E-FA79-4F99-9BC5-95972D5C4266}"/>
               </a:ext>
             </a:extLst>
           </p:cNvPr>
@@ -1181,7 +1183,7 @@
           <p:cNvPr id="6" name="Slide Number Placeholder 5">
             <a:extLst>
               <a:ext uri="{FF2B5EF4-FFF2-40B4-BE49-F238E27FC236}">
-                <a16:creationId xmlns:a16="http://schemas.microsoft.com/office/drawing/2014/main" xmlns="" id="{9C236359-9097-4001-98A0-0FC839EFA5EE}"/>
+                <a16:creationId xmlns="" xmlns:a16="http://schemas.microsoft.com/office/drawing/2014/main" id="{9C236359-9097-4001-98A0-0FC839EFA5EE}"/>
               </a:ext>
             </a:extLst>
           </p:cNvPr>
@@ -1240,7 +1242,7 @@
           <p:cNvPr id="2" name="Title 1">
             <a:extLst>
               <a:ext uri="{FF2B5EF4-FFF2-40B4-BE49-F238E27FC236}">
-                <a16:creationId xmlns:a16="http://schemas.microsoft.com/office/drawing/2014/main" xmlns="" id="{839910CB-9EC5-4DCC-8F8A-34416D901989}"/>
+                <a16:creationId xmlns="" xmlns:a16="http://schemas.microsoft.com/office/drawing/2014/main" id="{839910CB-9EC5-4DCC-8F8A-34416D901989}"/>
               </a:ext>
             </a:extLst>
           </p:cNvPr>
@@ -1268,7 +1270,7 @@
           <p:cNvPr id="3" name="Content Placeholder 2">
             <a:extLst>
               <a:ext uri="{FF2B5EF4-FFF2-40B4-BE49-F238E27FC236}">
-                <a16:creationId xmlns:a16="http://schemas.microsoft.com/office/drawing/2014/main" xmlns="" id="{BDAD6435-7E30-4AFD-91C4-ED84B1D49E86}"/>
+                <a16:creationId xmlns="" xmlns:a16="http://schemas.microsoft.com/office/drawing/2014/main" id="{BDAD6435-7E30-4AFD-91C4-ED84B1D49E86}"/>
               </a:ext>
             </a:extLst>
           </p:cNvPr>
@@ -1330,7 +1332,7 @@
           <p:cNvPr id="4" name="Content Placeholder 3">
             <a:extLst>
               <a:ext uri="{FF2B5EF4-FFF2-40B4-BE49-F238E27FC236}">
-                <a16:creationId xmlns:a16="http://schemas.microsoft.com/office/drawing/2014/main" xmlns="" id="{2C802199-B4D4-463D-9CBB-D9F6894F5C4E}"/>
+                <a16:creationId xmlns="" xmlns:a16="http://schemas.microsoft.com/office/drawing/2014/main" id="{2C802199-B4D4-463D-9CBB-D9F6894F5C4E}"/>
               </a:ext>
             </a:extLst>
           </p:cNvPr>
@@ -1392,7 +1394,7 @@
           <p:cNvPr id="5" name="Date Placeholder 4">
             <a:extLst>
               <a:ext uri="{FF2B5EF4-FFF2-40B4-BE49-F238E27FC236}">
-                <a16:creationId xmlns:a16="http://schemas.microsoft.com/office/drawing/2014/main" xmlns="" id="{D124055A-4F85-4EE5-987E-A008DF3C86EC}"/>
+                <a16:creationId xmlns="" xmlns:a16="http://schemas.microsoft.com/office/drawing/2014/main" id="{D124055A-4F85-4EE5-987E-A008DF3C86EC}"/>
               </a:ext>
             </a:extLst>
           </p:cNvPr>
@@ -1421,7 +1423,7 @@
           <p:cNvPr id="6" name="Footer Placeholder 5">
             <a:extLst>
               <a:ext uri="{FF2B5EF4-FFF2-40B4-BE49-F238E27FC236}">
-                <a16:creationId xmlns:a16="http://schemas.microsoft.com/office/drawing/2014/main" xmlns="" id="{99B367E6-43E3-4075-B9F8-3E7050ED002F}"/>
+                <a16:creationId xmlns="" xmlns:a16="http://schemas.microsoft.com/office/drawing/2014/main" id="{99B367E6-43E3-4075-B9F8-3E7050ED002F}"/>
               </a:ext>
             </a:extLst>
           </p:cNvPr>
@@ -1446,7 +1448,7 @@
           <p:cNvPr id="7" name="Slide Number Placeholder 6">
             <a:extLst>
               <a:ext uri="{FF2B5EF4-FFF2-40B4-BE49-F238E27FC236}">
-                <a16:creationId xmlns:a16="http://schemas.microsoft.com/office/drawing/2014/main" xmlns="" id="{962E5773-17FC-40B3-AEB0-6E6748F356A5}"/>
+                <a16:creationId xmlns="" xmlns:a16="http://schemas.microsoft.com/office/drawing/2014/main" id="{962E5773-17FC-40B3-AEB0-6E6748F356A5}"/>
               </a:ext>
             </a:extLst>
           </p:cNvPr>
@@ -1505,7 +1507,7 @@
           <p:cNvPr id="2" name="Title 1">
             <a:extLst>
               <a:ext uri="{FF2B5EF4-FFF2-40B4-BE49-F238E27FC236}">
-                <a16:creationId xmlns:a16="http://schemas.microsoft.com/office/drawing/2014/main" xmlns="" id="{83A26B56-CEF7-426D-85A9-03402285196E}"/>
+                <a16:creationId xmlns="" xmlns:a16="http://schemas.microsoft.com/office/drawing/2014/main" id="{83A26B56-CEF7-426D-85A9-03402285196E}"/>
               </a:ext>
             </a:extLst>
           </p:cNvPr>
@@ -1538,7 +1540,7 @@
           <p:cNvPr id="3" name="Text Placeholder 2">
             <a:extLst>
               <a:ext uri="{FF2B5EF4-FFF2-40B4-BE49-F238E27FC236}">
-                <a16:creationId xmlns:a16="http://schemas.microsoft.com/office/drawing/2014/main" xmlns="" id="{84F09ECB-7F0A-45A6-B3D6-75E0D7CE7548}"/>
+                <a16:creationId xmlns="" xmlns:a16="http://schemas.microsoft.com/office/drawing/2014/main" id="{84F09ECB-7F0A-45A6-B3D6-75E0D7CE7548}"/>
               </a:ext>
             </a:extLst>
           </p:cNvPr>
@@ -1609,7 +1611,7 @@
           <p:cNvPr id="4" name="Content Placeholder 3">
             <a:extLst>
               <a:ext uri="{FF2B5EF4-FFF2-40B4-BE49-F238E27FC236}">
-                <a16:creationId xmlns:a16="http://schemas.microsoft.com/office/drawing/2014/main" xmlns="" id="{B4985CD4-7281-47B0-8A7F-6678EE5741B1}"/>
+                <a16:creationId xmlns="" xmlns:a16="http://schemas.microsoft.com/office/drawing/2014/main" id="{B4985CD4-7281-47B0-8A7F-6678EE5741B1}"/>
               </a:ext>
             </a:extLst>
           </p:cNvPr>
@@ -1671,7 +1673,7 @@
           <p:cNvPr id="5" name="Text Placeholder 4">
             <a:extLst>
               <a:ext uri="{FF2B5EF4-FFF2-40B4-BE49-F238E27FC236}">
-                <a16:creationId xmlns:a16="http://schemas.microsoft.com/office/drawing/2014/main" xmlns="" id="{C6BFA0B5-17DA-40AD-80C3-8AFF5DE67444}"/>
+                <a16:creationId xmlns="" xmlns:a16="http://schemas.microsoft.com/office/drawing/2014/main" id="{C6BFA0B5-17DA-40AD-80C3-8AFF5DE67444}"/>
               </a:ext>
             </a:extLst>
           </p:cNvPr>
@@ -1742,7 +1744,7 @@
           <p:cNvPr id="6" name="Content Placeholder 5">
             <a:extLst>
               <a:ext uri="{FF2B5EF4-FFF2-40B4-BE49-F238E27FC236}">
-                <a16:creationId xmlns:a16="http://schemas.microsoft.com/office/drawing/2014/main" xmlns="" id="{3799C262-9FBB-4F4D-82D3-7E1BBEDA35E6}"/>
+                <a16:creationId xmlns="" xmlns:a16="http://schemas.microsoft.com/office/drawing/2014/main" id="{3799C262-9FBB-4F4D-82D3-7E1BBEDA35E6}"/>
               </a:ext>
             </a:extLst>
           </p:cNvPr>
@@ -1804,7 +1806,7 @@
           <p:cNvPr id="7" name="Date Placeholder 6">
             <a:extLst>
               <a:ext uri="{FF2B5EF4-FFF2-40B4-BE49-F238E27FC236}">
-                <a16:creationId xmlns:a16="http://schemas.microsoft.com/office/drawing/2014/main" xmlns="" id="{D034C37D-0E2D-462A-986F-441E1EC633D0}"/>
+                <a16:creationId xmlns="" xmlns:a16="http://schemas.microsoft.com/office/drawing/2014/main" id="{D034C37D-0E2D-462A-986F-441E1EC633D0}"/>
               </a:ext>
             </a:extLst>
           </p:cNvPr>
@@ -1833,7 +1835,7 @@
           <p:cNvPr id="8" name="Footer Placeholder 7">
             <a:extLst>
               <a:ext uri="{FF2B5EF4-FFF2-40B4-BE49-F238E27FC236}">
-                <a16:creationId xmlns:a16="http://schemas.microsoft.com/office/drawing/2014/main" xmlns="" id="{F8731B4A-817D-4CDF-93BC-5F7FEA686529}"/>
+                <a16:creationId xmlns="" xmlns:a16="http://schemas.microsoft.com/office/drawing/2014/main" id="{F8731B4A-817D-4CDF-93BC-5F7FEA686529}"/>
               </a:ext>
             </a:extLst>
           </p:cNvPr>
@@ -1858,7 +1860,7 @@
           <p:cNvPr id="9" name="Slide Number Placeholder 8">
             <a:extLst>
               <a:ext uri="{FF2B5EF4-FFF2-40B4-BE49-F238E27FC236}">
-                <a16:creationId xmlns:a16="http://schemas.microsoft.com/office/drawing/2014/main" xmlns="" id="{982E32E6-62F0-46F6-A6BA-62FB7ED5D363}"/>
+                <a16:creationId xmlns="" xmlns:a16="http://schemas.microsoft.com/office/drawing/2014/main" id="{982E32E6-62F0-46F6-A6BA-62FB7ED5D363}"/>
               </a:ext>
             </a:extLst>
           </p:cNvPr>
@@ -1917,7 +1919,7 @@
           <p:cNvPr id="2" name="Title 1">
             <a:extLst>
               <a:ext uri="{FF2B5EF4-FFF2-40B4-BE49-F238E27FC236}">
-                <a16:creationId xmlns:a16="http://schemas.microsoft.com/office/drawing/2014/main" xmlns="" id="{948EEE1F-5DAE-46BD-9CA3-B69293E056B2}"/>
+                <a16:creationId xmlns="" xmlns:a16="http://schemas.microsoft.com/office/drawing/2014/main" id="{948EEE1F-5DAE-46BD-9CA3-B69293E056B2}"/>
               </a:ext>
             </a:extLst>
           </p:cNvPr>
@@ -1945,7 +1947,7 @@
           <p:cNvPr id="3" name="Date Placeholder 2">
             <a:extLst>
               <a:ext uri="{FF2B5EF4-FFF2-40B4-BE49-F238E27FC236}">
-                <a16:creationId xmlns:a16="http://schemas.microsoft.com/office/drawing/2014/main" xmlns="" id="{5680745E-C6FF-44B7-8810-1558DD415BAB}"/>
+                <a16:creationId xmlns="" xmlns:a16="http://schemas.microsoft.com/office/drawing/2014/main" id="{5680745E-C6FF-44B7-8810-1558DD415BAB}"/>
               </a:ext>
             </a:extLst>
           </p:cNvPr>
@@ -1974,7 +1976,7 @@
           <p:cNvPr id="4" name="Footer Placeholder 3">
             <a:extLst>
               <a:ext uri="{FF2B5EF4-FFF2-40B4-BE49-F238E27FC236}">
-                <a16:creationId xmlns:a16="http://schemas.microsoft.com/office/drawing/2014/main" xmlns="" id="{F9E461DC-D371-4085-BA5B-2A9984FB16BD}"/>
+                <a16:creationId xmlns="" xmlns:a16="http://schemas.microsoft.com/office/drawing/2014/main" id="{F9E461DC-D371-4085-BA5B-2A9984FB16BD}"/>
               </a:ext>
             </a:extLst>
           </p:cNvPr>
@@ -1999,7 +2001,7 @@
           <p:cNvPr id="5" name="Slide Number Placeholder 4">
             <a:extLst>
               <a:ext uri="{FF2B5EF4-FFF2-40B4-BE49-F238E27FC236}">
-                <a16:creationId xmlns:a16="http://schemas.microsoft.com/office/drawing/2014/main" xmlns="" id="{44CF5F4F-AF2A-4A1C-8DB2-C53196CC3DDD}"/>
+                <a16:creationId xmlns="" xmlns:a16="http://schemas.microsoft.com/office/drawing/2014/main" id="{44CF5F4F-AF2A-4A1C-8DB2-C53196CC3DDD}"/>
               </a:ext>
             </a:extLst>
           </p:cNvPr>
@@ -2058,7 +2060,7 @@
           <p:cNvPr id="2" name="Date Placeholder 1">
             <a:extLst>
               <a:ext uri="{FF2B5EF4-FFF2-40B4-BE49-F238E27FC236}">
-                <a16:creationId xmlns:a16="http://schemas.microsoft.com/office/drawing/2014/main" xmlns="" id="{AA04A784-D88B-4438-B7F6-360BB632ED17}"/>
+                <a16:creationId xmlns="" xmlns:a16="http://schemas.microsoft.com/office/drawing/2014/main" id="{AA04A784-D88B-4438-B7F6-360BB632ED17}"/>
               </a:ext>
             </a:extLst>
           </p:cNvPr>
@@ -2087,7 +2089,7 @@
           <p:cNvPr id="3" name="Footer Placeholder 2">
             <a:extLst>
               <a:ext uri="{FF2B5EF4-FFF2-40B4-BE49-F238E27FC236}">
-                <a16:creationId xmlns:a16="http://schemas.microsoft.com/office/drawing/2014/main" xmlns="" id="{9DE6EA23-ABE5-4F99-8BE5-E4BAF4232CA1}"/>
+                <a16:creationId xmlns="" xmlns:a16="http://schemas.microsoft.com/office/drawing/2014/main" id="{9DE6EA23-ABE5-4F99-8BE5-E4BAF4232CA1}"/>
               </a:ext>
             </a:extLst>
           </p:cNvPr>
@@ -2112,7 +2114,7 @@
           <p:cNvPr id="4" name="Slide Number Placeholder 3">
             <a:extLst>
               <a:ext uri="{FF2B5EF4-FFF2-40B4-BE49-F238E27FC236}">
-                <a16:creationId xmlns:a16="http://schemas.microsoft.com/office/drawing/2014/main" xmlns="" id="{3B9FE60F-63E7-4ECA-8F7D-0993F5DFF9DA}"/>
+                <a16:creationId xmlns="" xmlns:a16="http://schemas.microsoft.com/office/drawing/2014/main" id="{3B9FE60F-63E7-4ECA-8F7D-0993F5DFF9DA}"/>
               </a:ext>
             </a:extLst>
           </p:cNvPr>
@@ -2171,7 +2173,7 @@
           <p:cNvPr id="2" name="Title 1">
             <a:extLst>
               <a:ext uri="{FF2B5EF4-FFF2-40B4-BE49-F238E27FC236}">
-                <a16:creationId xmlns:a16="http://schemas.microsoft.com/office/drawing/2014/main" xmlns="" id="{7170F3ED-413D-44B8-84A3-492696E92E9F}"/>
+                <a16:creationId xmlns="" xmlns:a16="http://schemas.microsoft.com/office/drawing/2014/main" id="{7170F3ED-413D-44B8-84A3-492696E92E9F}"/>
               </a:ext>
             </a:extLst>
           </p:cNvPr>
@@ -2208,7 +2210,7 @@
           <p:cNvPr id="3" name="Content Placeholder 2">
             <a:extLst>
               <a:ext uri="{FF2B5EF4-FFF2-40B4-BE49-F238E27FC236}">
-                <a16:creationId xmlns:a16="http://schemas.microsoft.com/office/drawing/2014/main" xmlns="" id="{3015A93A-5233-4234-B882-2EABAF2072A7}"/>
+                <a16:creationId xmlns="" xmlns:a16="http://schemas.microsoft.com/office/drawing/2014/main" id="{3015A93A-5233-4234-B882-2EABAF2072A7}"/>
               </a:ext>
             </a:extLst>
           </p:cNvPr>
@@ -2298,7 +2300,7 @@
           <p:cNvPr id="4" name="Text Placeholder 3">
             <a:extLst>
               <a:ext uri="{FF2B5EF4-FFF2-40B4-BE49-F238E27FC236}">
-                <a16:creationId xmlns:a16="http://schemas.microsoft.com/office/drawing/2014/main" xmlns="" id="{354A609B-0330-4985-A72C-2F84C58BF04A}"/>
+                <a16:creationId xmlns="" xmlns:a16="http://schemas.microsoft.com/office/drawing/2014/main" id="{354A609B-0330-4985-A72C-2F84C58BF04A}"/>
               </a:ext>
             </a:extLst>
           </p:cNvPr>
@@ -2369,7 +2371,7 @@
           <p:cNvPr id="5" name="Date Placeholder 4">
             <a:extLst>
               <a:ext uri="{FF2B5EF4-FFF2-40B4-BE49-F238E27FC236}">
-                <a16:creationId xmlns:a16="http://schemas.microsoft.com/office/drawing/2014/main" xmlns="" id="{3D527418-956B-482E-BD62-1745BD101F61}"/>
+                <a16:creationId xmlns="" xmlns:a16="http://schemas.microsoft.com/office/drawing/2014/main" id="{3D527418-956B-482E-BD62-1745BD101F61}"/>
               </a:ext>
             </a:extLst>
           </p:cNvPr>
@@ -2398,7 +2400,7 @@
           <p:cNvPr id="6" name="Footer Placeholder 5">
             <a:extLst>
               <a:ext uri="{FF2B5EF4-FFF2-40B4-BE49-F238E27FC236}">
-                <a16:creationId xmlns:a16="http://schemas.microsoft.com/office/drawing/2014/main" xmlns="" id="{F82DCA1A-1E61-4021-B26B-9FEA6BF797F6}"/>
+                <a16:creationId xmlns="" xmlns:a16="http://schemas.microsoft.com/office/drawing/2014/main" id="{F82DCA1A-1E61-4021-B26B-9FEA6BF797F6}"/>
               </a:ext>
             </a:extLst>
           </p:cNvPr>
@@ -2423,7 +2425,7 @@
           <p:cNvPr id="7" name="Slide Number Placeholder 6">
             <a:extLst>
               <a:ext uri="{FF2B5EF4-FFF2-40B4-BE49-F238E27FC236}">
-                <a16:creationId xmlns:a16="http://schemas.microsoft.com/office/drawing/2014/main" xmlns="" id="{F218DE36-CFAB-41CA-99BC-04DB03E0F4F2}"/>
+                <a16:creationId xmlns="" xmlns:a16="http://schemas.microsoft.com/office/drawing/2014/main" id="{F218DE36-CFAB-41CA-99BC-04DB03E0F4F2}"/>
               </a:ext>
             </a:extLst>
           </p:cNvPr>
@@ -2482,7 +2484,7 @@
           <p:cNvPr id="2" name="Title 1">
             <a:extLst>
               <a:ext uri="{FF2B5EF4-FFF2-40B4-BE49-F238E27FC236}">
-                <a16:creationId xmlns:a16="http://schemas.microsoft.com/office/drawing/2014/main" xmlns="" id="{98A7E7E7-3229-4BA2-9754-C0E395B91B42}"/>
+                <a16:creationId xmlns="" xmlns:a16="http://schemas.microsoft.com/office/drawing/2014/main" id="{98A7E7E7-3229-4BA2-9754-C0E395B91B42}"/>
               </a:ext>
             </a:extLst>
           </p:cNvPr>
@@ -2519,7 +2521,7 @@
           <p:cNvPr id="3" name="Picture Placeholder 2">
             <a:extLst>
               <a:ext uri="{FF2B5EF4-FFF2-40B4-BE49-F238E27FC236}">
-                <a16:creationId xmlns:a16="http://schemas.microsoft.com/office/drawing/2014/main" xmlns="" id="{5B207546-2048-4DEF-8992-BDFC02085B80}"/>
+                <a16:creationId xmlns="" xmlns:a16="http://schemas.microsoft.com/office/drawing/2014/main" id="{5B207546-2048-4DEF-8992-BDFC02085B80}"/>
               </a:ext>
             </a:extLst>
           </p:cNvPr>
@@ -2586,7 +2588,7 @@
           <p:cNvPr id="4" name="Text Placeholder 3">
             <a:extLst>
               <a:ext uri="{FF2B5EF4-FFF2-40B4-BE49-F238E27FC236}">
-                <a16:creationId xmlns:a16="http://schemas.microsoft.com/office/drawing/2014/main" xmlns="" id="{7B488AB3-B688-41C1-A0D7-4DA275E95B77}"/>
+                <a16:creationId xmlns="" xmlns:a16="http://schemas.microsoft.com/office/drawing/2014/main" id="{7B488AB3-B688-41C1-A0D7-4DA275E95B77}"/>
               </a:ext>
             </a:extLst>
           </p:cNvPr>
@@ -2657,7 +2659,7 @@
           <p:cNvPr id="5" name="Date Placeholder 4">
             <a:extLst>
               <a:ext uri="{FF2B5EF4-FFF2-40B4-BE49-F238E27FC236}">
-                <a16:creationId xmlns:a16="http://schemas.microsoft.com/office/drawing/2014/main" xmlns="" id="{05109B3A-076F-444C-AEBC-DAFE0290B67B}"/>
+                <a16:creationId xmlns="" xmlns:a16="http://schemas.microsoft.com/office/drawing/2014/main" id="{05109B3A-076F-444C-AEBC-DAFE0290B67B}"/>
               </a:ext>
             </a:extLst>
           </p:cNvPr>
@@ -2686,7 +2688,7 @@
           <p:cNvPr id="6" name="Footer Placeholder 5">
             <a:extLst>
               <a:ext uri="{FF2B5EF4-FFF2-40B4-BE49-F238E27FC236}">
-                <a16:creationId xmlns:a16="http://schemas.microsoft.com/office/drawing/2014/main" xmlns="" id="{51AE9993-D046-48C8-92FF-5148862D4244}"/>
+                <a16:creationId xmlns="" xmlns:a16="http://schemas.microsoft.com/office/drawing/2014/main" id="{51AE9993-D046-48C8-92FF-5148862D4244}"/>
               </a:ext>
             </a:extLst>
           </p:cNvPr>
@@ -2711,7 +2713,7 @@
           <p:cNvPr id="7" name="Slide Number Placeholder 6">
             <a:extLst>
               <a:ext uri="{FF2B5EF4-FFF2-40B4-BE49-F238E27FC236}">
-                <a16:creationId xmlns:a16="http://schemas.microsoft.com/office/drawing/2014/main" xmlns="" id="{A2CA525E-FD28-4016-B01C-594AEC64903C}"/>
+                <a16:creationId xmlns="" xmlns:a16="http://schemas.microsoft.com/office/drawing/2014/main" id="{A2CA525E-FD28-4016-B01C-594AEC64903C}"/>
               </a:ext>
             </a:extLst>
           </p:cNvPr>
@@ -2775,7 +2777,7 @@
           <p:cNvPr id="2" name="Title Placeholder 1">
             <a:extLst>
               <a:ext uri="{FF2B5EF4-FFF2-40B4-BE49-F238E27FC236}">
-                <a16:creationId xmlns:a16="http://schemas.microsoft.com/office/drawing/2014/main" xmlns="" id="{2EB8BD1A-B3D5-44E7-ABAE-3A74780B77F9}"/>
+                <a16:creationId xmlns="" xmlns:a16="http://schemas.microsoft.com/office/drawing/2014/main" id="{2EB8BD1A-B3D5-44E7-ABAE-3A74780B77F9}"/>
               </a:ext>
             </a:extLst>
           </p:cNvPr>
@@ -2813,7 +2815,7 @@
           <p:cNvPr id="3" name="Text Placeholder 2">
             <a:extLst>
               <a:ext uri="{FF2B5EF4-FFF2-40B4-BE49-F238E27FC236}">
-                <a16:creationId xmlns:a16="http://schemas.microsoft.com/office/drawing/2014/main" xmlns="" id="{97306814-E96D-4B47-ABA2-60AA2B8250AF}"/>
+                <a16:creationId xmlns="" xmlns:a16="http://schemas.microsoft.com/office/drawing/2014/main" id="{97306814-E96D-4B47-ABA2-60AA2B8250AF}"/>
               </a:ext>
             </a:extLst>
           </p:cNvPr>
@@ -2880,7 +2882,7 @@
           <p:cNvPr id="4" name="Date Placeholder 3">
             <a:extLst>
               <a:ext uri="{FF2B5EF4-FFF2-40B4-BE49-F238E27FC236}">
-                <a16:creationId xmlns:a16="http://schemas.microsoft.com/office/drawing/2014/main" xmlns="" id="{AF22B8FD-F822-48B8-9E45-BC4722E39C21}"/>
+                <a16:creationId xmlns="" xmlns:a16="http://schemas.microsoft.com/office/drawing/2014/main" id="{AF22B8FD-F822-48B8-9E45-BC4722E39C21}"/>
               </a:ext>
             </a:extLst>
           </p:cNvPr>
@@ -2927,7 +2929,7 @@
           <p:cNvPr id="5" name="Footer Placeholder 4">
             <a:extLst>
               <a:ext uri="{FF2B5EF4-FFF2-40B4-BE49-F238E27FC236}">
-                <a16:creationId xmlns:a16="http://schemas.microsoft.com/office/drawing/2014/main" xmlns="" id="{2E3969AC-B4DC-4987-ADA9-B83259949472}"/>
+                <a16:creationId xmlns="" xmlns:a16="http://schemas.microsoft.com/office/drawing/2014/main" id="{2E3969AC-B4DC-4987-ADA9-B83259949472}"/>
               </a:ext>
             </a:extLst>
           </p:cNvPr>
@@ -2970,7 +2972,7 @@
           <p:cNvPr id="6" name="Slide Number Placeholder 5">
             <a:extLst>
               <a:ext uri="{FF2B5EF4-FFF2-40B4-BE49-F238E27FC236}">
-                <a16:creationId xmlns:a16="http://schemas.microsoft.com/office/drawing/2014/main" xmlns="" id="{F21425E0-03DE-4423-BB03-BDE9B265B3AB}"/>
+                <a16:creationId xmlns="" xmlns:a16="http://schemas.microsoft.com/office/drawing/2014/main" id="{F21425E0-03DE-4423-BB03-BDE9B265B3AB}"/>
               </a:ext>
             </a:extLst>
           </p:cNvPr>
@@ -3338,7 +3340,7 @@
           <p:cNvPr id="2" name="Title 1">
             <a:extLst>
               <a:ext uri="{FF2B5EF4-FFF2-40B4-BE49-F238E27FC236}">
-                <a16:creationId xmlns:a16="http://schemas.microsoft.com/office/drawing/2014/main" xmlns="" id="{9D950B57-130C-459A-9E65-4F888CD87F85}"/>
+                <a16:creationId xmlns="" xmlns:a16="http://schemas.microsoft.com/office/drawing/2014/main" id="{9D950B57-130C-459A-9E65-4F888CD87F85}"/>
               </a:ext>
             </a:extLst>
           </p:cNvPr>
@@ -3371,7 +3373,7 @@
           <p:cNvPr id="3" name="Subtitle 2">
             <a:extLst>
               <a:ext uri="{FF2B5EF4-FFF2-40B4-BE49-F238E27FC236}">
-                <a16:creationId xmlns:a16="http://schemas.microsoft.com/office/drawing/2014/main" xmlns="" id="{727B5B1B-B398-4AD6-97EB-64BDD7010F72}"/>
+                <a16:creationId xmlns="" xmlns:a16="http://schemas.microsoft.com/office/drawing/2014/main" id="{727B5B1B-B398-4AD6-97EB-64BDD7010F72}"/>
               </a:ext>
             </a:extLst>
           </p:cNvPr>
@@ -3390,27 +3392,25 @@
         </p:spPr>
         <p:txBody>
           <a:bodyPr>
-            <a:normAutofit fontScale="55000" lnSpcReduction="20000"/>
+            <a:normAutofit lnSpcReduction="10000"/>
           </a:bodyPr>
           <a:lstStyle/>
           <a:p>
             <a:r>
+              <a:rPr lang="en-US" dirty="0" smtClean="0"/>
+              <a:t>Drop-Down </a:t>
+            </a:r>
+            <a:r>
               <a:rPr lang="en-US" dirty="0"/>
-              <a:t>Search Box for Players			Drop-Down Menu for 30 Teams		Link to Payroll data</a:t>
-            </a:r>
-          </a:p>
-          <a:p>
+              <a:t>Menu for 30 Teams		</a:t>
+            </a:r>
+            <a:r>
+              <a:rPr lang="en-US" dirty="0" smtClean="0"/>
+              <a:t>Links to other pages</a:t>
+            </a:r>
             <a:r>
               <a:rPr lang="en-US" dirty="0"/>
-              <a:t>(Which will link to individual player </a:t>
-            </a:r>
-            <a:r>
-              <a:rPr lang="en-US" dirty="0" smtClean="0"/>
-              <a:t>pages, not in this page anymore)   </a:t>
-            </a:r>
-            <a:r>
-              <a:rPr lang="en-US" dirty="0"/>
-              <a:t>	 							</a:t>
+              <a:t>							</a:t>
             </a:r>
           </a:p>
           <a:p>
@@ -3426,7 +3426,7 @@
           <p:cNvPr id="6" name="Straight Connector 5">
             <a:extLst>
               <a:ext uri="{FF2B5EF4-FFF2-40B4-BE49-F238E27FC236}">
-                <a16:creationId xmlns:a16="http://schemas.microsoft.com/office/drawing/2014/main" xmlns="" id="{36944C94-A80D-495A-8C7F-FD0015674D71}"/>
+                <a16:creationId xmlns="" xmlns:a16="http://schemas.microsoft.com/office/drawing/2014/main" id="{36944C94-A80D-495A-8C7F-FD0015674D71}"/>
               </a:ext>
             </a:extLst>
           </p:cNvPr>
@@ -3462,7 +3462,7 @@
           <p:cNvPr id="8" name="Straight Connector 7">
             <a:extLst>
               <a:ext uri="{FF2B5EF4-FFF2-40B4-BE49-F238E27FC236}">
-                <a16:creationId xmlns:a16="http://schemas.microsoft.com/office/drawing/2014/main" xmlns="" id="{0415915A-3279-4E17-BFE8-2497EE9C78F8}"/>
+                <a16:creationId xmlns="" xmlns:a16="http://schemas.microsoft.com/office/drawing/2014/main" id="{0415915A-3279-4E17-BFE8-2497EE9C78F8}"/>
               </a:ext>
             </a:extLst>
           </p:cNvPr>
@@ -3498,7 +3498,7 @@
           <p:cNvPr id="9" name="Rectangle 8">
             <a:extLst>
               <a:ext uri="{FF2B5EF4-FFF2-40B4-BE49-F238E27FC236}">
-                <a16:creationId xmlns:a16="http://schemas.microsoft.com/office/drawing/2014/main" xmlns="" id="{02A31E29-350D-4B2C-9AC2-942F99EE73D5}"/>
+                <a16:creationId xmlns="" xmlns:a16="http://schemas.microsoft.com/office/drawing/2014/main" id="{02A31E29-350D-4B2C-9AC2-942F99EE73D5}"/>
               </a:ext>
             </a:extLst>
           </p:cNvPr>
@@ -3544,7 +3544,7 @@
           <p:cNvPr id="4" name="TextBox 3">
             <a:extLst>
               <a:ext uri="{FF2B5EF4-FFF2-40B4-BE49-F238E27FC236}">
-                <a16:creationId xmlns:a16="http://schemas.microsoft.com/office/drawing/2014/main" xmlns="" id="{5B4AB814-99F2-4768-BAC8-6DCBE007C428}"/>
+                <a16:creationId xmlns="" xmlns:a16="http://schemas.microsoft.com/office/drawing/2014/main" id="{5B4AB814-99F2-4768-BAC8-6DCBE007C428}"/>
               </a:ext>
             </a:extLst>
           </p:cNvPr>
@@ -3573,11 +3573,7 @@
             </a:r>
             <a:r>
               <a:rPr lang="en-US" dirty="0" smtClean="0"/>
-              <a:t>the most recent </a:t>
-            </a:r>
-            <a:r>
-              <a:rPr lang="en-US" dirty="0" smtClean="0"/>
-              <a:t>season </a:t>
+              <a:t>the most recent season </a:t>
             </a:r>
             <a:r>
               <a:rPr lang="en-US" dirty="0"/>
@@ -3604,7 +3600,7 @@
           <p:cNvPr id="10" name="Rectangle 9">
             <a:extLst>
               <a:ext uri="{FF2B5EF4-FFF2-40B4-BE49-F238E27FC236}">
-                <a16:creationId xmlns:a16="http://schemas.microsoft.com/office/drawing/2014/main" xmlns="" id="{4D2D1ABE-5D92-405D-A9F0-C1659FFF9C9C}"/>
+                <a16:creationId xmlns="" xmlns:a16="http://schemas.microsoft.com/office/drawing/2014/main" id="{4D2D1ABE-5D92-405D-A9F0-C1659FFF9C9C}"/>
               </a:ext>
             </a:extLst>
           </p:cNvPr>
@@ -3653,62 +3649,10 @@
       </p:sp>
       <p:sp>
         <p:nvSpPr>
-          <p:cNvPr id="15" name="Rectangle 14">
-            <a:extLst>
-              <a:ext uri="{FF2B5EF4-FFF2-40B4-BE49-F238E27FC236}">
-                <a16:creationId xmlns:a16="http://schemas.microsoft.com/office/drawing/2014/main" xmlns="" id="{12545505-CA1B-436D-B039-7FB43A0532C6}"/>
-              </a:ext>
-            </a:extLst>
-          </p:cNvPr>
-          <p:cNvSpPr/>
-          <p:nvPr/>
-        </p:nvSpPr>
-        <p:spPr>
-          <a:xfrm>
-            <a:off x="175967" y="2026763"/>
-            <a:ext cx="8328580" cy="1461155"/>
-          </a:xfrm>
-          <a:prstGeom prst="rect">
-            <a:avLst/>
-          </a:prstGeom>
-          <a:solidFill>
-            <a:schemeClr val="accent6">
-              <a:lumMod val="40000"/>
-              <a:lumOff val="60000"/>
-            </a:schemeClr>
-          </a:solidFill>
-        </p:spPr>
-        <p:style>
-          <a:lnRef idx="2">
-            <a:schemeClr val="accent1">
-              <a:shade val="50000"/>
-            </a:schemeClr>
-          </a:lnRef>
-          <a:fillRef idx="1">
-            <a:schemeClr val="accent1"/>
-          </a:fillRef>
-          <a:effectRef idx="0">
-            <a:schemeClr val="accent1"/>
-          </a:effectRef>
-          <a:fontRef idx="minor">
-            <a:schemeClr val="lt1"/>
-          </a:fontRef>
-        </p:style>
-        <p:txBody>
-          <a:bodyPr rtlCol="0" anchor="ctr"/>
-          <a:lstStyle/>
-          <a:p>
-            <a:pPr algn="ctr"/>
-            <a:endParaRPr lang="en-US"/>
-          </a:p>
-        </p:txBody>
-      </p:sp>
-      <p:sp>
-        <p:nvSpPr>
           <p:cNvPr id="11" name="TextBox 10">
             <a:extLst>
               <a:ext uri="{FF2B5EF4-FFF2-40B4-BE49-F238E27FC236}">
-                <a16:creationId xmlns:a16="http://schemas.microsoft.com/office/drawing/2014/main" xmlns="" id="{3F775E99-BD1F-440D-8BE3-807B315B04B1}"/>
+                <a16:creationId xmlns="" xmlns:a16="http://schemas.microsoft.com/office/drawing/2014/main" id="{3F775E99-BD1F-440D-8BE3-807B315B04B1}"/>
               </a:ext>
             </a:extLst>
           </p:cNvPr>
@@ -3743,7 +3687,7 @@
           <p:cNvPr id="13" name="TextBox 12">
             <a:extLst>
               <a:ext uri="{FF2B5EF4-FFF2-40B4-BE49-F238E27FC236}">
-                <a16:creationId xmlns:a16="http://schemas.microsoft.com/office/drawing/2014/main" xmlns="" id="{48CD397B-F25F-44C0-A240-67D269048E7A}"/>
+                <a16:creationId xmlns="" xmlns:a16="http://schemas.microsoft.com/office/drawing/2014/main" id="{48CD397B-F25F-44C0-A240-67D269048E7A}"/>
               </a:ext>
             </a:extLst>
           </p:cNvPr>
@@ -3821,46 +3765,6 @@
               <a:rPr lang="en-US" sz="1200" dirty="0"/>
               <a:t>Where (choose stat) is between __ and ___</a:t>
             </a:r>
-          </a:p>
-        </p:txBody>
-      </p:sp>
-      <p:sp>
-        <p:nvSpPr>
-          <p:cNvPr id="14" name="TextBox 13">
-            <a:extLst>
-              <a:ext uri="{FF2B5EF4-FFF2-40B4-BE49-F238E27FC236}">
-                <a16:creationId xmlns:a16="http://schemas.microsoft.com/office/drawing/2014/main" xmlns="" id="{16CD2B9A-CE5F-4DF0-83C1-4DC4E27F68DD}"/>
-              </a:ext>
-            </a:extLst>
-          </p:cNvPr>
-          <p:cNvSpPr txBox="1"/>
-          <p:nvPr/>
-        </p:nvSpPr>
-        <p:spPr>
-          <a:xfrm>
-            <a:off x="461913" y="2238285"/>
-            <a:ext cx="7852528" cy="1200329"/>
-          </a:xfrm>
-          <a:prstGeom prst="rect">
-            <a:avLst/>
-          </a:prstGeom>
-          <a:noFill/>
-        </p:spPr>
-        <p:txBody>
-          <a:bodyPr wrap="square" rtlCol="0">
-            <a:spAutoFit/>
-          </a:bodyPr>
-          <a:lstStyle/>
-          <a:p>
-            <a:r>
-              <a:rPr lang="en-US" dirty="0"/>
-              <a:t>Maybe here is where we do the machine learning/prediction part? Something like “Predict ___ based on stats ____, ____, _____, and ____ where the user can select a stat to predict as well as select the stats to base the prediction on? Probably a sequence of drop-down menus</a:t>
-            </a:r>
-            <a:r>
-              <a:rPr lang="en-US" dirty="0" smtClean="0"/>
-              <a:t>? (In different page)</a:t>
-            </a:r>
-            <a:endParaRPr lang="en-US" dirty="0"/>
           </a:p>
         </p:txBody>
       </p:sp>
@@ -3896,10 +3800,82 @@
       </p:grpSpPr>
       <p:sp>
         <p:nvSpPr>
+          <p:cNvPr id="2" name="Title 1"/>
+          <p:cNvSpPr>
+            <a:spLocks noGrp="1"/>
+          </p:cNvSpPr>
+          <p:nvPr>
+            <p:ph type="title"/>
+          </p:nvPr>
+        </p:nvSpPr>
+        <p:spPr/>
+        <p:txBody>
+          <a:bodyPr/>
+          <a:lstStyle/>
+          <a:p>
+            <a:r>
+              <a:rPr lang="en-US" dirty="0" smtClean="0"/>
+              <a:t>Search Players Page</a:t>
+            </a:r>
+            <a:endParaRPr lang="en-US" dirty="0"/>
+          </a:p>
+        </p:txBody>
+      </p:sp>
+      <p:sp>
+        <p:nvSpPr>
+          <p:cNvPr id="3" name="Content Placeholder 2"/>
+          <p:cNvSpPr>
+            <a:spLocks noGrp="1"/>
+          </p:cNvSpPr>
+          <p:nvPr>
+            <p:ph idx="1"/>
+          </p:nvPr>
+        </p:nvSpPr>
+        <p:spPr/>
+        <p:txBody>
+          <a:bodyPr/>
+          <a:lstStyle/>
+          <a:p>
+            <a:endParaRPr lang="en-US"/>
+          </a:p>
+        </p:txBody>
+      </p:sp>
+    </p:spTree>
+    <p:extLst>
+      <p:ext uri="{BB962C8B-B14F-4D97-AF65-F5344CB8AC3E}">
+        <p14:creationId xmlns:p14="http://schemas.microsoft.com/office/powerpoint/2010/main" val="1196627594"/>
+      </p:ext>
+    </p:extLst>
+  </p:cSld>
+  <p:clrMapOvr>
+    <a:masterClrMapping/>
+  </p:clrMapOvr>
+</p:sld>
+</file>
+
+<file path=ppt/slides/slide3.xml><?xml version="1.0" encoding="utf-8"?>
+<p:sld xmlns:a="http://schemas.openxmlformats.org/drawingml/2006/main" xmlns:r="http://schemas.openxmlformats.org/officeDocument/2006/relationships" xmlns:p="http://schemas.openxmlformats.org/presentationml/2006/main">
+  <p:cSld>
+    <p:spTree>
+      <p:nvGrpSpPr>
+        <p:cNvPr id="1" name=""/>
+        <p:cNvGrpSpPr/>
+        <p:nvPr/>
+      </p:nvGrpSpPr>
+      <p:grpSpPr>
+        <a:xfrm>
+          <a:off x="0" y="0"/>
+          <a:ext cx="0" cy="0"/>
+          <a:chOff x="0" y="0"/>
+          <a:chExt cx="0" cy="0"/>
+        </a:xfrm>
+      </p:grpSpPr>
+      <p:sp>
+        <p:nvSpPr>
           <p:cNvPr id="5" name="Rectangle 4">
             <a:extLst>
               <a:ext uri="{FF2B5EF4-FFF2-40B4-BE49-F238E27FC236}">
-                <a16:creationId xmlns:a16="http://schemas.microsoft.com/office/drawing/2014/main" xmlns="" id="{505FE1EA-4349-4543-A1B8-EE6ED5C6A411}"/>
+                <a16:creationId xmlns="" xmlns:a16="http://schemas.microsoft.com/office/drawing/2014/main" id="{505FE1EA-4349-4543-A1B8-EE6ED5C6A411}"/>
               </a:ext>
             </a:extLst>
           </p:cNvPr>
@@ -3945,7 +3921,7 @@
           <p:cNvPr id="2" name="Title 1">
             <a:extLst>
               <a:ext uri="{FF2B5EF4-FFF2-40B4-BE49-F238E27FC236}">
-                <a16:creationId xmlns:a16="http://schemas.microsoft.com/office/drawing/2014/main" xmlns="" id="{49FBDF86-E806-4EFC-BDCE-B030CBF44533}"/>
+                <a16:creationId xmlns="" xmlns:a16="http://schemas.microsoft.com/office/drawing/2014/main" id="{49FBDF86-E806-4EFC-BDCE-B030CBF44533}"/>
               </a:ext>
             </a:extLst>
           </p:cNvPr>
@@ -3981,7 +3957,7 @@
           <p:cNvPr id="4" name="TextBox 3">
             <a:extLst>
               <a:ext uri="{FF2B5EF4-FFF2-40B4-BE49-F238E27FC236}">
-                <a16:creationId xmlns:a16="http://schemas.microsoft.com/office/drawing/2014/main" xmlns="" id="{92AE2CBA-0FAE-4691-8BEA-87DE72C18B5A}"/>
+                <a16:creationId xmlns="" xmlns:a16="http://schemas.microsoft.com/office/drawing/2014/main" id="{92AE2CBA-0FAE-4691-8BEA-87DE72C18B5A}"/>
               </a:ext>
             </a:extLst>
           </p:cNvPr>
@@ -4016,7 +3992,7 @@
           <p:cNvPr id="6" name="Rectangle 5">
             <a:extLst>
               <a:ext uri="{FF2B5EF4-FFF2-40B4-BE49-F238E27FC236}">
-                <a16:creationId xmlns:a16="http://schemas.microsoft.com/office/drawing/2014/main" xmlns="" id="{755792F9-E8EB-4736-8BC9-E669B46544EF}"/>
+                <a16:creationId xmlns="" xmlns:a16="http://schemas.microsoft.com/office/drawing/2014/main" id="{755792F9-E8EB-4736-8BC9-E669B46544EF}"/>
               </a:ext>
             </a:extLst>
           </p:cNvPr>
@@ -4068,7 +4044,7 @@
           <p:cNvPr id="7" name="TextBox 6">
             <a:extLst>
               <a:ext uri="{FF2B5EF4-FFF2-40B4-BE49-F238E27FC236}">
-                <a16:creationId xmlns:a16="http://schemas.microsoft.com/office/drawing/2014/main" xmlns="" id="{1FD8ECDE-76D9-49E3-ADCE-65577BDC597F}"/>
+                <a16:creationId xmlns="" xmlns:a16="http://schemas.microsoft.com/office/drawing/2014/main" id="{1FD8ECDE-76D9-49E3-ADCE-65577BDC597F}"/>
               </a:ext>
             </a:extLst>
           </p:cNvPr>
@@ -4103,7 +4079,7 @@
           <p:cNvPr id="8" name="TextBox 7">
             <a:extLst>
               <a:ext uri="{FF2B5EF4-FFF2-40B4-BE49-F238E27FC236}">
-                <a16:creationId xmlns:a16="http://schemas.microsoft.com/office/drawing/2014/main" xmlns="" id="{9916534F-359F-449A-B62F-46BFFFB3AB93}"/>
+                <a16:creationId xmlns="" xmlns:a16="http://schemas.microsoft.com/office/drawing/2014/main" id="{9916534F-359F-449A-B62F-46BFFFB3AB93}"/>
               </a:ext>
             </a:extLst>
           </p:cNvPr>
@@ -4189,7 +4165,7 @@
           <p:cNvPr id="10" name="Rectangle 9">
             <a:extLst>
               <a:ext uri="{FF2B5EF4-FFF2-40B4-BE49-F238E27FC236}">
-                <a16:creationId xmlns:a16="http://schemas.microsoft.com/office/drawing/2014/main" xmlns="" id="{4128137E-6849-439D-A746-C73F8E03BDB9}"/>
+                <a16:creationId xmlns="" xmlns:a16="http://schemas.microsoft.com/office/drawing/2014/main" id="{4128137E-6849-439D-A746-C73F8E03BDB9}"/>
               </a:ext>
             </a:extLst>
           </p:cNvPr>
@@ -4238,7 +4214,7 @@
           <p:cNvPr id="9" name="TextBox 8">
             <a:extLst>
               <a:ext uri="{FF2B5EF4-FFF2-40B4-BE49-F238E27FC236}">
-                <a16:creationId xmlns:a16="http://schemas.microsoft.com/office/drawing/2014/main" xmlns="" id="{8A1836E8-76A6-4012-A622-5CF7B572CE79}"/>
+                <a16:creationId xmlns="" xmlns:a16="http://schemas.microsoft.com/office/drawing/2014/main" id="{8A1836E8-76A6-4012-A622-5CF7B572CE79}"/>
               </a:ext>
             </a:extLst>
           </p:cNvPr>
@@ -4281,7 +4257,7 @@
 </p:sld>
 </file>
 
-<file path=ppt/slides/slide3.xml><?xml version="1.0" encoding="utf-8"?>
+<file path=ppt/slides/slide4.xml><?xml version="1.0" encoding="utf-8"?>
 <p:sld xmlns:a="http://schemas.openxmlformats.org/drawingml/2006/main" xmlns:r="http://schemas.openxmlformats.org/officeDocument/2006/relationships" xmlns:p="http://schemas.openxmlformats.org/presentationml/2006/main">
   <p:cSld>
     <p:spTree>
@@ -4303,7 +4279,7 @@
           <p:cNvPr id="2" name="Title 1">
             <a:extLst>
               <a:ext uri="{FF2B5EF4-FFF2-40B4-BE49-F238E27FC236}">
-                <a16:creationId xmlns:a16="http://schemas.microsoft.com/office/drawing/2014/main" xmlns="" id="{1E4729A2-1C55-46BC-A724-BD1083F28F2C}"/>
+                <a16:creationId xmlns="" xmlns:a16="http://schemas.microsoft.com/office/drawing/2014/main" id="{1E4729A2-1C55-46BC-A724-BD1083F28F2C}"/>
               </a:ext>
             </a:extLst>
           </p:cNvPr>
@@ -4331,7 +4307,7 @@
           <p:cNvPr id="5" name="Rectangle 4">
             <a:extLst>
               <a:ext uri="{FF2B5EF4-FFF2-40B4-BE49-F238E27FC236}">
-                <a16:creationId xmlns:a16="http://schemas.microsoft.com/office/drawing/2014/main" xmlns="" id="{2D9672F0-71BD-45D0-93DF-5E9739E059FE}"/>
+                <a16:creationId xmlns="" xmlns:a16="http://schemas.microsoft.com/office/drawing/2014/main" id="{2D9672F0-71BD-45D0-93DF-5E9739E059FE}"/>
               </a:ext>
             </a:extLst>
           </p:cNvPr>
@@ -4377,7 +4353,7 @@
           <p:cNvPr id="4" name="TextBox 3">
             <a:extLst>
               <a:ext uri="{FF2B5EF4-FFF2-40B4-BE49-F238E27FC236}">
-                <a16:creationId xmlns:a16="http://schemas.microsoft.com/office/drawing/2014/main" xmlns="" id="{B9047198-7850-4FA5-A163-C3D402D7D41A}"/>
+                <a16:creationId xmlns="" xmlns:a16="http://schemas.microsoft.com/office/drawing/2014/main" id="{B9047198-7850-4FA5-A163-C3D402D7D41A}"/>
               </a:ext>
             </a:extLst>
           </p:cNvPr>
@@ -4418,7 +4394,7 @@
           <p:cNvPr id="6" name="Rectangle 5">
             <a:extLst>
               <a:ext uri="{FF2B5EF4-FFF2-40B4-BE49-F238E27FC236}">
-                <a16:creationId xmlns:a16="http://schemas.microsoft.com/office/drawing/2014/main" xmlns="" id="{4BCC2838-F7A7-41D5-87F7-A5278B7025FD}"/>
+                <a16:creationId xmlns="" xmlns:a16="http://schemas.microsoft.com/office/drawing/2014/main" id="{4BCC2838-F7A7-41D5-87F7-A5278B7025FD}"/>
               </a:ext>
             </a:extLst>
           </p:cNvPr>
@@ -4467,7 +4443,7 @@
           <p:cNvPr id="7" name="TextBox 6">
             <a:extLst>
               <a:ext uri="{FF2B5EF4-FFF2-40B4-BE49-F238E27FC236}">
-                <a16:creationId xmlns:a16="http://schemas.microsoft.com/office/drawing/2014/main" xmlns="" id="{E4BB75A6-B029-4CF4-8427-A35A513B8BB9}"/>
+                <a16:creationId xmlns="" xmlns:a16="http://schemas.microsoft.com/office/drawing/2014/main" id="{E4BB75A6-B029-4CF4-8427-A35A513B8BB9}"/>
               </a:ext>
             </a:extLst>
           </p:cNvPr>
@@ -4502,7 +4478,7 @@
           <p:cNvPr id="8" name="Rectangle 7">
             <a:extLst>
               <a:ext uri="{FF2B5EF4-FFF2-40B4-BE49-F238E27FC236}">
-                <a16:creationId xmlns:a16="http://schemas.microsoft.com/office/drawing/2014/main" xmlns="" id="{EBF7AEF9-C548-4988-8754-3439EB01D568}"/>
+                <a16:creationId xmlns="" xmlns:a16="http://schemas.microsoft.com/office/drawing/2014/main" id="{EBF7AEF9-C548-4988-8754-3439EB01D568}"/>
               </a:ext>
             </a:extLst>
           </p:cNvPr>
@@ -4551,7 +4527,7 @@
           <p:cNvPr id="9" name="TextBox 8">
             <a:extLst>
               <a:ext uri="{FF2B5EF4-FFF2-40B4-BE49-F238E27FC236}">
-                <a16:creationId xmlns:a16="http://schemas.microsoft.com/office/drawing/2014/main" xmlns="" id="{2C10FA28-A4D1-45FC-BCBB-B1B818ACA9F7}"/>
+                <a16:creationId xmlns="" xmlns:a16="http://schemas.microsoft.com/office/drawing/2014/main" id="{2C10FA28-A4D1-45FC-BCBB-B1B818ACA9F7}"/>
               </a:ext>
             </a:extLst>
           </p:cNvPr>
@@ -4586,7 +4562,7 @@
           <p:cNvPr id="10" name="Rectangle 9">
             <a:extLst>
               <a:ext uri="{FF2B5EF4-FFF2-40B4-BE49-F238E27FC236}">
-                <a16:creationId xmlns:a16="http://schemas.microsoft.com/office/drawing/2014/main" xmlns="" id="{721A5F74-CDBF-48BC-ABCD-CC9B8931B2FC}"/>
+                <a16:creationId xmlns="" xmlns:a16="http://schemas.microsoft.com/office/drawing/2014/main" id="{721A5F74-CDBF-48BC-ABCD-CC9B8931B2FC}"/>
               </a:ext>
             </a:extLst>
           </p:cNvPr>
@@ -4632,7 +4608,7 @@
           <p:cNvPr id="12" name="TextBox 11">
             <a:extLst>
               <a:ext uri="{FF2B5EF4-FFF2-40B4-BE49-F238E27FC236}">
-                <a16:creationId xmlns:a16="http://schemas.microsoft.com/office/drawing/2014/main" xmlns="" id="{FB7BA656-75C4-4C6F-972F-E5A93E05D866}"/>
+                <a16:creationId xmlns="" xmlns:a16="http://schemas.microsoft.com/office/drawing/2014/main" id="{FB7BA656-75C4-4C6F-972F-E5A93E05D866}"/>
               </a:ext>
             </a:extLst>
           </p:cNvPr>
@@ -4675,7 +4651,7 @@
 </p:sld>
 </file>
 
-<file path=ppt/slides/slide4.xml><?xml version="1.0" encoding="utf-8"?>
+<file path=ppt/slides/slide5.xml><?xml version="1.0" encoding="utf-8"?>
 <p:sld xmlns:a="http://schemas.openxmlformats.org/drawingml/2006/main" xmlns:r="http://schemas.openxmlformats.org/officeDocument/2006/relationships" xmlns:p="http://schemas.openxmlformats.org/presentationml/2006/main">
   <p:cSld>
     <p:spTree>
@@ -4697,7 +4673,7 @@
           <p:cNvPr id="2" name="Title 1">
             <a:extLst>
               <a:ext uri="{FF2B5EF4-FFF2-40B4-BE49-F238E27FC236}">
-                <a16:creationId xmlns:a16="http://schemas.microsoft.com/office/drawing/2014/main" xmlns="" id="{B2432FFD-EEDC-4D65-834A-2DBC8F98FF33}"/>
+                <a16:creationId xmlns="" xmlns:a16="http://schemas.microsoft.com/office/drawing/2014/main" id="{B2432FFD-EEDC-4D65-834A-2DBC8F98FF33}"/>
               </a:ext>
             </a:extLst>
           </p:cNvPr>
@@ -4725,7 +4701,7 @@
           <p:cNvPr id="3" name="Content Placeholder 2">
             <a:extLst>
               <a:ext uri="{FF2B5EF4-FFF2-40B4-BE49-F238E27FC236}">
-                <a16:creationId xmlns:a16="http://schemas.microsoft.com/office/drawing/2014/main" xmlns="" id="{8190EF85-84FF-4696-9B22-617DFC7D1EA6}"/>
+                <a16:creationId xmlns="" xmlns:a16="http://schemas.microsoft.com/office/drawing/2014/main" id="{8190EF85-84FF-4696-9B22-617DFC7D1EA6}"/>
               </a:ext>
             </a:extLst>
           </p:cNvPr>
@@ -4768,6 +4744,133 @@
     <p:extLst>
       <p:ext uri="{BB962C8B-B14F-4D97-AF65-F5344CB8AC3E}">
         <p14:creationId xmlns:p14="http://schemas.microsoft.com/office/powerpoint/2010/main" val="3036388554"/>
+      </p:ext>
+    </p:extLst>
+  </p:cSld>
+  <p:clrMapOvr>
+    <a:masterClrMapping/>
+  </p:clrMapOvr>
+</p:sld>
+</file>
+
+<file path=ppt/slides/slide6.xml><?xml version="1.0" encoding="utf-8"?>
+<p:sld xmlns:a="http://schemas.openxmlformats.org/drawingml/2006/main" xmlns:r="http://schemas.openxmlformats.org/officeDocument/2006/relationships" xmlns:p="http://schemas.openxmlformats.org/presentationml/2006/main">
+  <p:cSld>
+    <p:spTree>
+      <p:nvGrpSpPr>
+        <p:cNvPr id="1" name=""/>
+        <p:cNvGrpSpPr/>
+        <p:nvPr/>
+      </p:nvGrpSpPr>
+      <p:grpSpPr>
+        <a:xfrm>
+          <a:off x="0" y="0"/>
+          <a:ext cx="0" cy="0"/>
+          <a:chOff x="0" y="0"/>
+          <a:chExt cx="0" cy="0"/>
+        </a:xfrm>
+      </p:grpSpPr>
+      <p:sp>
+        <p:nvSpPr>
+          <p:cNvPr id="2" name="Title 1"/>
+          <p:cNvSpPr>
+            <a:spLocks noGrp="1"/>
+          </p:cNvSpPr>
+          <p:nvPr>
+            <p:ph type="title"/>
+          </p:nvPr>
+        </p:nvSpPr>
+        <p:spPr/>
+        <p:txBody>
+          <a:bodyPr/>
+          <a:lstStyle/>
+          <a:p>
+            <a:r>
+              <a:rPr lang="en-US" dirty="0" smtClean="0"/>
+              <a:t>Machine learning</a:t>
+            </a:r>
+            <a:endParaRPr lang="en-US" dirty="0"/>
+          </a:p>
+        </p:txBody>
+      </p:sp>
+      <p:sp>
+        <p:nvSpPr>
+          <p:cNvPr id="3" name="Content Placeholder 2"/>
+          <p:cNvSpPr>
+            <a:spLocks noGrp="1"/>
+          </p:cNvSpPr>
+          <p:nvPr>
+            <p:ph idx="1"/>
+          </p:nvPr>
+        </p:nvSpPr>
+        <p:spPr/>
+        <p:txBody>
+          <a:bodyPr/>
+          <a:lstStyle/>
+          <a:p>
+            <a:endParaRPr lang="en-US" dirty="0"/>
+          </a:p>
+        </p:txBody>
+      </p:sp>
+      <p:sp>
+        <p:nvSpPr>
+          <p:cNvPr id="4" name="Rectangle 3">
+            <a:extLst>
+              <a:ext uri="{FF2B5EF4-FFF2-40B4-BE49-F238E27FC236}">
+                <a16:creationId xmlns="" xmlns:a16="http://schemas.microsoft.com/office/drawing/2014/main" id="{12545505-CA1B-436D-B039-7FB43A0532C6}"/>
+              </a:ext>
+            </a:extLst>
+          </p:cNvPr>
+          <p:cNvSpPr/>
+          <p:nvPr/>
+        </p:nvSpPr>
+        <p:spPr>
+          <a:xfrm>
+            <a:off x="838200" y="1825625"/>
+            <a:ext cx="10515600" cy="1461155"/>
+          </a:xfrm>
+          <a:prstGeom prst="rect">
+            <a:avLst/>
+          </a:prstGeom>
+          <a:solidFill>
+            <a:schemeClr val="accent6">
+              <a:lumMod val="40000"/>
+              <a:lumOff val="60000"/>
+            </a:schemeClr>
+          </a:solidFill>
+        </p:spPr>
+        <p:style>
+          <a:lnRef idx="2">
+            <a:schemeClr val="accent1">
+              <a:shade val="50000"/>
+            </a:schemeClr>
+          </a:lnRef>
+          <a:fillRef idx="1">
+            <a:schemeClr val="accent1"/>
+          </a:fillRef>
+          <a:effectRef idx="0">
+            <a:schemeClr val="accent1"/>
+          </a:effectRef>
+          <a:fontRef idx="minor">
+            <a:schemeClr val="lt1"/>
+          </a:fontRef>
+        </p:style>
+        <p:txBody>
+          <a:bodyPr rtlCol="0" anchor="ctr"/>
+          <a:lstStyle/>
+          <a:p>
+            <a:r>
+              <a:rPr lang="en-US" dirty="0"/>
+              <a:t>Maybe here is where we do the machine learning/prediction part? Something like “Predict ___ based on stats ____, ____, _____, and ____ where the user can select a stat to predict as well as select the stats to base the prediction on? Probably a sequence of drop-down menus? (In different page)</a:t>
+            </a:r>
+            <a:endParaRPr lang="en-US" dirty="0"/>
+          </a:p>
+        </p:txBody>
+      </p:sp>
+    </p:spTree>
+    <p:extLst>
+      <p:ext uri="{BB962C8B-B14F-4D97-AF65-F5344CB8AC3E}">
+        <p14:creationId xmlns:p14="http://schemas.microsoft.com/office/powerpoint/2010/main" val="867386501"/>
       </p:ext>
     </p:extLst>
   </p:cSld>
